--- a/BMW ML Case Study.pptx
+++ b/BMW ML Case Study.pptx
@@ -1,9 +1,15 @@
 
 <file path=ppt/presentation.xml><?xml version="1.0" encoding="utf-8"?>
-<p:presentation xmlns:a="http://schemas.openxmlformats.org/drawingml/2006/main" xmlns:r="http://schemas.openxmlformats.org/officeDocument/2006/relationships" xmlns:p="http://schemas.openxmlformats.org/presentationml/2006/main" saveSubsetFonts="1" autoCompressPictures="0">
+<p:presentation xmlns:a="http://schemas.openxmlformats.org/drawingml/2006/main" xmlns:r="http://schemas.openxmlformats.org/officeDocument/2006/relationships" xmlns:p="http://schemas.openxmlformats.org/presentationml/2006/main" firstSlideNum="0" showSpecialPlsOnTitleSld="0" saveSubsetFonts="1" autoCompressPictures="0">
   <p:sldMasterIdLst>
     <p:sldMasterId id="2147483648" r:id="rId1"/>
   </p:sldMasterIdLst>
+  <p:notesMasterIdLst>
+    <p:notesMasterId r:id="rId4"/>
+  </p:notesMasterIdLst>
+  <p:handoutMasterIdLst>
+    <p:handoutMasterId r:id="rId5"/>
+  </p:handoutMasterIdLst>
   <p:sldIdLst>
     <p:sldId id="256" r:id="rId2"/>
     <p:sldId id="257" r:id="rId3"/>
@@ -108,6 +114,552 @@
 </p:presentation>
 </file>
 
+<file path=ppt/handoutMasters/handoutMaster1.xml><?xml version="1.0" encoding="utf-8"?>
+<p:handoutMaster xmlns:a="http://schemas.openxmlformats.org/drawingml/2006/main" xmlns:r="http://schemas.openxmlformats.org/officeDocument/2006/relationships" xmlns:p="http://schemas.openxmlformats.org/presentationml/2006/main">
+  <p:cSld>
+    <p:bg>
+      <p:bgRef idx="1001">
+        <a:schemeClr val="bg1"/>
+      </p:bgRef>
+    </p:bg>
+    <p:spTree>
+      <p:nvGrpSpPr>
+        <p:cNvPr id="1" name=""/>
+        <p:cNvGrpSpPr/>
+        <p:nvPr/>
+      </p:nvGrpSpPr>
+      <p:grpSpPr>
+        <a:xfrm>
+          <a:off x="0" y="0"/>
+          <a:ext cx="0" cy="0"/>
+          <a:chOff x="0" y="0"/>
+          <a:chExt cx="0" cy="0"/>
+        </a:xfrm>
+      </p:grpSpPr>
+      <p:sp>
+        <p:nvSpPr>
+          <p:cNvPr id="2" name="Header Placeholder 1">
+            <a:extLst>
+              <a:ext uri="{FF2B5EF4-FFF2-40B4-BE49-F238E27FC236}">
+                <a16:creationId xmlns:a16="http://schemas.microsoft.com/office/drawing/2014/main" id="{97B047B1-4C95-8265-EFE9-6E584087FE42}"/>
+              </a:ext>
+            </a:extLst>
+          </p:cNvPr>
+          <p:cNvSpPr>
+            <a:spLocks noGrp="1"/>
+          </p:cNvSpPr>
+          <p:nvPr>
+            <p:ph type="hdr" sz="quarter"/>
+          </p:nvPr>
+        </p:nvSpPr>
+        <p:spPr>
+          <a:xfrm>
+            <a:off x="0" y="0"/>
+            <a:ext cx="2971800" cy="458788"/>
+          </a:xfrm>
+          <a:prstGeom prst="rect">
+            <a:avLst/>
+          </a:prstGeom>
+        </p:spPr>
+        <p:txBody>
+          <a:bodyPr vert="horz" lIns="91440" tIns="45720" rIns="91440" bIns="45720" rtlCol="0"/>
+          <a:lstStyle>
+            <a:lvl1pPr algn="l">
+              <a:defRPr sz="1200"/>
+            </a:lvl1pPr>
+          </a:lstStyle>
+          <a:p>
+            <a:r>
+              <a:rPr lang="en-US"/>
+              <a:t>Hola</a:t>
+            </a:r>
+          </a:p>
+        </p:txBody>
+      </p:sp>
+      <p:sp>
+        <p:nvSpPr>
+          <p:cNvPr id="3" name="Date Placeholder 2">
+            <a:extLst>
+              <a:ext uri="{FF2B5EF4-FFF2-40B4-BE49-F238E27FC236}">
+                <a16:creationId xmlns:a16="http://schemas.microsoft.com/office/drawing/2014/main" id="{5F5F49BC-F6A4-1E0B-F001-02FD6443F467}"/>
+              </a:ext>
+            </a:extLst>
+          </p:cNvPr>
+          <p:cNvSpPr>
+            <a:spLocks noGrp="1"/>
+          </p:cNvSpPr>
+          <p:nvPr>
+            <p:ph type="dt" sz="quarter" idx="1"/>
+          </p:nvPr>
+        </p:nvSpPr>
+        <p:spPr>
+          <a:xfrm>
+            <a:off x="3884613" y="0"/>
+            <a:ext cx="2971800" cy="458788"/>
+          </a:xfrm>
+          <a:prstGeom prst="rect">
+            <a:avLst/>
+          </a:prstGeom>
+        </p:spPr>
+        <p:txBody>
+          <a:bodyPr vert="horz" lIns="91440" tIns="45720" rIns="91440" bIns="45720" rtlCol="0"/>
+          <a:lstStyle>
+            <a:lvl1pPr algn="r">
+              <a:defRPr sz="1200"/>
+            </a:lvl1pPr>
+          </a:lstStyle>
+          <a:p>
+            <a:fld id="{89051540-9A25-A74B-810B-9F0EC1CD8655}" type="datetimeFigureOut">
+              <a:rPr lang="en-US" smtClean="0"/>
+              <a:t>10/4/23</a:t>
+            </a:fld>
+            <a:endParaRPr lang="en-US"/>
+          </a:p>
+        </p:txBody>
+      </p:sp>
+      <p:sp>
+        <p:nvSpPr>
+          <p:cNvPr id="4" name="Footer Placeholder 3">
+            <a:extLst>
+              <a:ext uri="{FF2B5EF4-FFF2-40B4-BE49-F238E27FC236}">
+                <a16:creationId xmlns:a16="http://schemas.microsoft.com/office/drawing/2014/main" id="{5424F34E-2E3D-0B49-E545-666C4235C316}"/>
+              </a:ext>
+            </a:extLst>
+          </p:cNvPr>
+          <p:cNvSpPr>
+            <a:spLocks noGrp="1"/>
+          </p:cNvSpPr>
+          <p:nvPr>
+            <p:ph type="ftr" sz="quarter" idx="2"/>
+          </p:nvPr>
+        </p:nvSpPr>
+        <p:spPr>
+          <a:xfrm>
+            <a:off x="0" y="8685213"/>
+            <a:ext cx="2971800" cy="458787"/>
+          </a:xfrm>
+          <a:prstGeom prst="rect">
+            <a:avLst/>
+          </a:prstGeom>
+        </p:spPr>
+        <p:txBody>
+          <a:bodyPr vert="horz" lIns="91440" tIns="45720" rIns="91440" bIns="45720" rtlCol="0" anchor="b"/>
+          <a:lstStyle>
+            <a:lvl1pPr algn="l">
+              <a:defRPr sz="1200"/>
+            </a:lvl1pPr>
+          </a:lstStyle>
+          <a:p>
+            <a:endParaRPr lang="en-US"/>
+          </a:p>
+        </p:txBody>
+      </p:sp>
+      <p:sp>
+        <p:nvSpPr>
+          <p:cNvPr id="5" name="Slide Number Placeholder 4">
+            <a:extLst>
+              <a:ext uri="{FF2B5EF4-FFF2-40B4-BE49-F238E27FC236}">
+                <a16:creationId xmlns:a16="http://schemas.microsoft.com/office/drawing/2014/main" id="{17C43437-3E92-819B-6F7F-98C0C6130892}"/>
+              </a:ext>
+            </a:extLst>
+          </p:cNvPr>
+          <p:cNvSpPr>
+            <a:spLocks noGrp="1"/>
+          </p:cNvSpPr>
+          <p:nvPr>
+            <p:ph type="sldNum" sz="quarter" idx="3"/>
+          </p:nvPr>
+        </p:nvSpPr>
+        <p:spPr>
+          <a:xfrm>
+            <a:off x="3884613" y="8685213"/>
+            <a:ext cx="2971800" cy="458787"/>
+          </a:xfrm>
+          <a:prstGeom prst="rect">
+            <a:avLst/>
+          </a:prstGeom>
+        </p:spPr>
+        <p:txBody>
+          <a:bodyPr vert="horz" lIns="91440" tIns="45720" rIns="91440" bIns="45720" rtlCol="0" anchor="b"/>
+          <a:lstStyle>
+            <a:lvl1pPr algn="r">
+              <a:defRPr sz="1200"/>
+            </a:lvl1pPr>
+          </a:lstStyle>
+          <a:p>
+            <a:fld id="{E773A9F8-5AD9-3348-B890-20C78F82817F}" type="slidenum">
+              <a:rPr lang="en-US" smtClean="0"/>
+              <a:t>‹#›</a:t>
+            </a:fld>
+            <a:endParaRPr lang="en-US"/>
+          </a:p>
+        </p:txBody>
+      </p:sp>
+    </p:spTree>
+    <p:extLst>
+      <p:ext uri="{BB962C8B-B14F-4D97-AF65-F5344CB8AC3E}">
+        <p14:creationId xmlns:p14="http://schemas.microsoft.com/office/powerpoint/2010/main" val="1260219480"/>
+      </p:ext>
+    </p:extLst>
+  </p:cSld>
+  <p:clrMap bg1="lt1" tx1="dk1" bg2="lt2" tx2="dk2" accent1="accent1" accent2="accent2" accent3="accent3" accent4="accent4" accent5="accent5" accent6="accent6" hlink="hlink" folHlink="folHlink"/>
+  <p:hf hdr="0" ftr="0" dt="0"/>
+</p:handoutMaster>
+</file>
+
+<file path=ppt/notesMasters/notesMaster1.xml><?xml version="1.0" encoding="utf-8"?>
+<p:notesMaster xmlns:a="http://schemas.openxmlformats.org/drawingml/2006/main" xmlns:r="http://schemas.openxmlformats.org/officeDocument/2006/relationships" xmlns:p="http://schemas.openxmlformats.org/presentationml/2006/main">
+  <p:cSld>
+    <p:bg>
+      <p:bgRef idx="1001">
+        <a:schemeClr val="bg1"/>
+      </p:bgRef>
+    </p:bg>
+    <p:spTree>
+      <p:nvGrpSpPr>
+        <p:cNvPr id="1" name=""/>
+        <p:cNvGrpSpPr/>
+        <p:nvPr/>
+      </p:nvGrpSpPr>
+      <p:grpSpPr>
+        <a:xfrm>
+          <a:off x="0" y="0"/>
+          <a:ext cx="0" cy="0"/>
+          <a:chOff x="0" y="0"/>
+          <a:chExt cx="0" cy="0"/>
+        </a:xfrm>
+      </p:grpSpPr>
+      <p:sp>
+        <p:nvSpPr>
+          <p:cNvPr id="2" name="Header Placeholder 1"/>
+          <p:cNvSpPr>
+            <a:spLocks noGrp="1"/>
+          </p:cNvSpPr>
+          <p:nvPr>
+            <p:ph type="hdr" sz="quarter"/>
+          </p:nvPr>
+        </p:nvSpPr>
+        <p:spPr>
+          <a:xfrm>
+            <a:off x="0" y="0"/>
+            <a:ext cx="2971800" cy="458788"/>
+          </a:xfrm>
+          <a:prstGeom prst="rect">
+            <a:avLst/>
+          </a:prstGeom>
+        </p:spPr>
+        <p:txBody>
+          <a:bodyPr vert="horz" lIns="91440" tIns="45720" rIns="91440" bIns="45720" rtlCol="0"/>
+          <a:lstStyle>
+            <a:lvl1pPr algn="l">
+              <a:defRPr sz="1200"/>
+            </a:lvl1pPr>
+          </a:lstStyle>
+          <a:p>
+            <a:r>
+              <a:rPr lang="en-US"/>
+              <a:t>Hola</a:t>
+            </a:r>
+          </a:p>
+        </p:txBody>
+      </p:sp>
+      <p:sp>
+        <p:nvSpPr>
+          <p:cNvPr id="3" name="Date Placeholder 2"/>
+          <p:cNvSpPr>
+            <a:spLocks noGrp="1"/>
+          </p:cNvSpPr>
+          <p:nvPr>
+            <p:ph type="dt" idx="1"/>
+          </p:nvPr>
+        </p:nvSpPr>
+        <p:spPr>
+          <a:xfrm>
+            <a:off x="3884613" y="0"/>
+            <a:ext cx="2971800" cy="458788"/>
+          </a:xfrm>
+          <a:prstGeom prst="rect">
+            <a:avLst/>
+          </a:prstGeom>
+        </p:spPr>
+        <p:txBody>
+          <a:bodyPr vert="horz" lIns="91440" tIns="45720" rIns="91440" bIns="45720" rtlCol="0"/>
+          <a:lstStyle>
+            <a:lvl1pPr algn="r">
+              <a:defRPr sz="1200"/>
+            </a:lvl1pPr>
+          </a:lstStyle>
+          <a:p>
+            <a:fld id="{3A71AB37-043F-B844-AC1C-AAB7E303D951}" type="datetimeFigureOut">
+              <a:rPr lang="en-US" smtClean="0"/>
+              <a:t>10/4/23</a:t>
+            </a:fld>
+            <a:endParaRPr lang="en-US"/>
+          </a:p>
+        </p:txBody>
+      </p:sp>
+      <p:sp>
+        <p:nvSpPr>
+          <p:cNvPr id="4" name="Slide Image Placeholder 3"/>
+          <p:cNvSpPr>
+            <a:spLocks noGrp="1" noRot="1" noChangeAspect="1"/>
+          </p:cNvSpPr>
+          <p:nvPr>
+            <p:ph type="sldImg" idx="2"/>
+          </p:nvPr>
+        </p:nvSpPr>
+        <p:spPr>
+          <a:xfrm>
+            <a:off x="685800" y="1143000"/>
+            <a:ext cx="5486400" cy="3086100"/>
+          </a:xfrm>
+          <a:prstGeom prst="rect">
+            <a:avLst/>
+          </a:prstGeom>
+          <a:noFill/>
+          <a:ln w="12700">
+            <a:solidFill>
+              <a:prstClr val="black"/>
+            </a:solidFill>
+          </a:ln>
+        </p:spPr>
+        <p:txBody>
+          <a:bodyPr vert="horz" lIns="91440" tIns="45720" rIns="91440" bIns="45720" rtlCol="0" anchor="ctr"/>
+          <a:lstStyle/>
+          <a:p>
+            <a:endParaRPr lang="en-US"/>
+          </a:p>
+        </p:txBody>
+      </p:sp>
+      <p:sp>
+        <p:nvSpPr>
+          <p:cNvPr id="5" name="Notes Placeholder 4"/>
+          <p:cNvSpPr>
+            <a:spLocks noGrp="1"/>
+          </p:cNvSpPr>
+          <p:nvPr>
+            <p:ph type="body" sz="quarter" idx="3"/>
+          </p:nvPr>
+        </p:nvSpPr>
+        <p:spPr>
+          <a:xfrm>
+            <a:off x="685800" y="4400550"/>
+            <a:ext cx="5486400" cy="3600450"/>
+          </a:xfrm>
+          <a:prstGeom prst="rect">
+            <a:avLst/>
+          </a:prstGeom>
+        </p:spPr>
+        <p:txBody>
+          <a:bodyPr vert="horz" lIns="91440" tIns="45720" rIns="91440" bIns="45720" rtlCol="0"/>
+          <a:lstStyle/>
+          <a:p>
+            <a:pPr lvl="0"/>
+            <a:r>
+              <a:rPr lang="en-US"/>
+              <a:t>Click to edit Master text styles</a:t>
+            </a:r>
+          </a:p>
+          <a:p>
+            <a:pPr lvl="1"/>
+            <a:r>
+              <a:rPr lang="en-US"/>
+              <a:t>Second level</a:t>
+            </a:r>
+          </a:p>
+          <a:p>
+            <a:pPr lvl="2"/>
+            <a:r>
+              <a:rPr lang="en-US"/>
+              <a:t>Third level</a:t>
+            </a:r>
+          </a:p>
+          <a:p>
+            <a:pPr lvl="3"/>
+            <a:r>
+              <a:rPr lang="en-US"/>
+              <a:t>Fourth level</a:t>
+            </a:r>
+          </a:p>
+          <a:p>
+            <a:pPr lvl="4"/>
+            <a:r>
+              <a:rPr lang="en-US"/>
+              <a:t>Fifth level</a:t>
+            </a:r>
+          </a:p>
+        </p:txBody>
+      </p:sp>
+      <p:sp>
+        <p:nvSpPr>
+          <p:cNvPr id="6" name="Footer Placeholder 5"/>
+          <p:cNvSpPr>
+            <a:spLocks noGrp="1"/>
+          </p:cNvSpPr>
+          <p:nvPr>
+            <p:ph type="ftr" sz="quarter" idx="4"/>
+          </p:nvPr>
+        </p:nvSpPr>
+        <p:spPr>
+          <a:xfrm>
+            <a:off x="0" y="8685213"/>
+            <a:ext cx="2971800" cy="458787"/>
+          </a:xfrm>
+          <a:prstGeom prst="rect">
+            <a:avLst/>
+          </a:prstGeom>
+        </p:spPr>
+        <p:txBody>
+          <a:bodyPr vert="horz" lIns="91440" tIns="45720" rIns="91440" bIns="45720" rtlCol="0" anchor="b"/>
+          <a:lstStyle>
+            <a:lvl1pPr algn="l">
+              <a:defRPr sz="1200"/>
+            </a:lvl1pPr>
+          </a:lstStyle>
+          <a:p>
+            <a:endParaRPr lang="en-US"/>
+          </a:p>
+        </p:txBody>
+      </p:sp>
+      <p:sp>
+        <p:nvSpPr>
+          <p:cNvPr id="7" name="Slide Number Placeholder 6"/>
+          <p:cNvSpPr>
+            <a:spLocks noGrp="1"/>
+          </p:cNvSpPr>
+          <p:nvPr>
+            <p:ph type="sldNum" sz="quarter" idx="5"/>
+          </p:nvPr>
+        </p:nvSpPr>
+        <p:spPr>
+          <a:xfrm>
+            <a:off x="3884613" y="8685213"/>
+            <a:ext cx="2971800" cy="458787"/>
+          </a:xfrm>
+          <a:prstGeom prst="rect">
+            <a:avLst/>
+          </a:prstGeom>
+        </p:spPr>
+        <p:txBody>
+          <a:bodyPr vert="horz" lIns="91440" tIns="45720" rIns="91440" bIns="45720" rtlCol="0" anchor="b"/>
+          <a:lstStyle>
+            <a:lvl1pPr algn="r">
+              <a:defRPr sz="1200"/>
+            </a:lvl1pPr>
+          </a:lstStyle>
+          <a:p>
+            <a:fld id="{1B1F61F2-D0FC-5C4A-AD7F-E6FD119C144C}" type="slidenum">
+              <a:rPr lang="en-US" smtClean="0"/>
+              <a:t>‹#›</a:t>
+            </a:fld>
+            <a:endParaRPr lang="en-US"/>
+          </a:p>
+        </p:txBody>
+      </p:sp>
+    </p:spTree>
+    <p:extLst>
+      <p:ext uri="{BB962C8B-B14F-4D97-AF65-F5344CB8AC3E}">
+        <p14:creationId xmlns:p14="http://schemas.microsoft.com/office/powerpoint/2010/main" val="4038369571"/>
+      </p:ext>
+    </p:extLst>
+  </p:cSld>
+  <p:clrMap bg1="lt1" tx1="dk1" bg2="lt2" tx2="dk2" accent1="accent1" accent2="accent2" accent3="accent3" accent4="accent4" accent5="accent5" accent6="accent6" hlink="hlink" folHlink="folHlink"/>
+  <p:hf hdr="0" ftr="0" dt="0"/>
+  <p:notesStyle>
+    <a:lvl1pPr marL="0" algn="l" defTabSz="914400" rtl="0" eaLnBrk="1" latinLnBrk="0" hangingPunct="1">
+      <a:defRPr sz="1200" kern="1200">
+        <a:solidFill>
+          <a:schemeClr val="tx1"/>
+        </a:solidFill>
+        <a:latin typeface="+mn-lt"/>
+        <a:ea typeface="+mn-ea"/>
+        <a:cs typeface="+mn-cs"/>
+      </a:defRPr>
+    </a:lvl1pPr>
+    <a:lvl2pPr marL="457200" algn="l" defTabSz="914400" rtl="0" eaLnBrk="1" latinLnBrk="0" hangingPunct="1">
+      <a:defRPr sz="1200" kern="1200">
+        <a:solidFill>
+          <a:schemeClr val="tx1"/>
+        </a:solidFill>
+        <a:latin typeface="+mn-lt"/>
+        <a:ea typeface="+mn-ea"/>
+        <a:cs typeface="+mn-cs"/>
+      </a:defRPr>
+    </a:lvl2pPr>
+    <a:lvl3pPr marL="914400" algn="l" defTabSz="914400" rtl="0" eaLnBrk="1" latinLnBrk="0" hangingPunct="1">
+      <a:defRPr sz="1200" kern="1200">
+        <a:solidFill>
+          <a:schemeClr val="tx1"/>
+        </a:solidFill>
+        <a:latin typeface="+mn-lt"/>
+        <a:ea typeface="+mn-ea"/>
+        <a:cs typeface="+mn-cs"/>
+      </a:defRPr>
+    </a:lvl3pPr>
+    <a:lvl4pPr marL="1371600" algn="l" defTabSz="914400" rtl="0" eaLnBrk="1" latinLnBrk="0" hangingPunct="1">
+      <a:defRPr sz="1200" kern="1200">
+        <a:solidFill>
+          <a:schemeClr val="tx1"/>
+        </a:solidFill>
+        <a:latin typeface="+mn-lt"/>
+        <a:ea typeface="+mn-ea"/>
+        <a:cs typeface="+mn-cs"/>
+      </a:defRPr>
+    </a:lvl4pPr>
+    <a:lvl5pPr marL="1828800" algn="l" defTabSz="914400" rtl="0" eaLnBrk="1" latinLnBrk="0" hangingPunct="1">
+      <a:defRPr sz="1200" kern="1200">
+        <a:solidFill>
+          <a:schemeClr val="tx1"/>
+        </a:solidFill>
+        <a:latin typeface="+mn-lt"/>
+        <a:ea typeface="+mn-ea"/>
+        <a:cs typeface="+mn-cs"/>
+      </a:defRPr>
+    </a:lvl5pPr>
+    <a:lvl6pPr marL="2286000" algn="l" defTabSz="914400" rtl="0" eaLnBrk="1" latinLnBrk="0" hangingPunct="1">
+      <a:defRPr sz="1200" kern="1200">
+        <a:solidFill>
+          <a:schemeClr val="tx1"/>
+        </a:solidFill>
+        <a:latin typeface="+mn-lt"/>
+        <a:ea typeface="+mn-ea"/>
+        <a:cs typeface="+mn-cs"/>
+      </a:defRPr>
+    </a:lvl6pPr>
+    <a:lvl7pPr marL="2743200" algn="l" defTabSz="914400" rtl="0" eaLnBrk="1" latinLnBrk="0" hangingPunct="1">
+      <a:defRPr sz="1200" kern="1200">
+        <a:solidFill>
+          <a:schemeClr val="tx1"/>
+        </a:solidFill>
+        <a:latin typeface="+mn-lt"/>
+        <a:ea typeface="+mn-ea"/>
+        <a:cs typeface="+mn-cs"/>
+      </a:defRPr>
+    </a:lvl7pPr>
+    <a:lvl8pPr marL="3200400" algn="l" defTabSz="914400" rtl="0" eaLnBrk="1" latinLnBrk="0" hangingPunct="1">
+      <a:defRPr sz="1200" kern="1200">
+        <a:solidFill>
+          <a:schemeClr val="tx1"/>
+        </a:solidFill>
+        <a:latin typeface="+mn-lt"/>
+        <a:ea typeface="+mn-ea"/>
+        <a:cs typeface="+mn-cs"/>
+      </a:defRPr>
+    </a:lvl8pPr>
+    <a:lvl9pPr marL="3657600" algn="l" defTabSz="914400" rtl="0" eaLnBrk="1" latinLnBrk="0" hangingPunct="1">
+      <a:defRPr sz="1200" kern="1200">
+        <a:solidFill>
+          <a:schemeClr val="tx1"/>
+        </a:solidFill>
+        <a:latin typeface="+mn-lt"/>
+        <a:ea typeface="+mn-ea"/>
+        <a:cs typeface="+mn-cs"/>
+      </a:defRPr>
+    </a:lvl9pPr>
+  </p:notesStyle>
+</p:notesMaster>
+</file>
+
 <file path=ppt/slideLayouts/slideLayout1.xml><?xml version="1.0" encoding="utf-8"?>
 <p:sldLayout xmlns:a="http://schemas.openxmlformats.org/drawingml/2006/main" xmlns:r="http://schemas.openxmlformats.org/officeDocument/2006/relationships" xmlns:p="http://schemas.openxmlformats.org/presentationml/2006/main" type="title" preserve="1">
   <p:cSld name="Title Slide">
@@ -253,7 +805,7 @@
           <a:bodyPr/>
           <a:lstStyle/>
           <a:p>
-            <a:fld id="{D66D9E99-DEF4-5F4C-BB4E-69E4AF9A0785}" type="datetimeFigureOut">
+            <a:fld id="{338EFD01-C2F4-074B-A91C-54F851D1F8AD}" type="datetime1">
               <a:rPr lang="en-US" smtClean="0"/>
               <a:t>10/4/23</a:t>
             </a:fld>
@@ -451,7 +1003,7 @@
           <a:bodyPr/>
           <a:lstStyle/>
           <a:p>
-            <a:fld id="{D66D9E99-DEF4-5F4C-BB4E-69E4AF9A0785}" type="datetimeFigureOut">
+            <a:fld id="{FAB59814-29F9-1642-8F33-72DDE643D147}" type="datetime1">
               <a:rPr lang="en-US" smtClean="0"/>
               <a:t>10/4/23</a:t>
             </a:fld>
@@ -659,7 +1211,7 @@
           <a:bodyPr/>
           <a:lstStyle/>
           <a:p>
-            <a:fld id="{D66D9E99-DEF4-5F4C-BB4E-69E4AF9A0785}" type="datetimeFigureOut">
+            <a:fld id="{831A2DD5-CC60-9B4B-B3AC-E2A5BD5679C3}" type="datetime1">
               <a:rPr lang="en-US" smtClean="0"/>
               <a:t>10/4/23</a:t>
             </a:fld>
@@ -857,7 +1409,7 @@
           <a:bodyPr/>
           <a:lstStyle/>
           <a:p>
-            <a:fld id="{D66D9E99-DEF4-5F4C-BB4E-69E4AF9A0785}" type="datetimeFigureOut">
+            <a:fld id="{9EA3A1EB-D10B-DC48-A1C5-BD3396644781}" type="datetime1">
               <a:rPr lang="en-US" smtClean="0"/>
               <a:t>10/4/23</a:t>
             </a:fld>
@@ -1132,7 +1684,7 @@
           <a:bodyPr/>
           <a:lstStyle/>
           <a:p>
-            <a:fld id="{D66D9E99-DEF4-5F4C-BB4E-69E4AF9A0785}" type="datetimeFigureOut">
+            <a:fld id="{CFF84DA8-E2CC-3543-96AA-AF1698749379}" type="datetime1">
               <a:rPr lang="en-US" smtClean="0"/>
               <a:t>10/4/23</a:t>
             </a:fld>
@@ -1397,7 +1949,7 @@
           <a:bodyPr/>
           <a:lstStyle/>
           <a:p>
-            <a:fld id="{D66D9E99-DEF4-5F4C-BB4E-69E4AF9A0785}" type="datetimeFigureOut">
+            <a:fld id="{D0D4C7A1-E7F3-D944-99D2-53FF2F5453B2}" type="datetime1">
               <a:rPr lang="en-US" smtClean="0"/>
               <a:t>10/4/23</a:t>
             </a:fld>
@@ -1809,7 +2361,7 @@
           <a:bodyPr/>
           <a:lstStyle/>
           <a:p>
-            <a:fld id="{D66D9E99-DEF4-5F4C-BB4E-69E4AF9A0785}" type="datetimeFigureOut">
+            <a:fld id="{96036859-3168-2D4E-A09D-C833B3371AB1}" type="datetime1">
               <a:rPr lang="en-US" smtClean="0"/>
               <a:t>10/4/23</a:t>
             </a:fld>
@@ -1950,7 +2502,7 @@
           <a:bodyPr/>
           <a:lstStyle/>
           <a:p>
-            <a:fld id="{D66D9E99-DEF4-5F4C-BB4E-69E4AF9A0785}" type="datetimeFigureOut">
+            <a:fld id="{9FECB06B-0314-E14F-9F70-8D1ED0C277A3}" type="datetime1">
               <a:rPr lang="en-US" smtClean="0"/>
               <a:t>10/4/23</a:t>
             </a:fld>
@@ -2063,7 +2615,7 @@
           <a:bodyPr/>
           <a:lstStyle/>
           <a:p>
-            <a:fld id="{D66D9E99-DEF4-5F4C-BB4E-69E4AF9A0785}" type="datetimeFigureOut">
+            <a:fld id="{1E561FA4-82FB-9E45-BF5F-C91CE9256D65}" type="datetime1">
               <a:rPr lang="en-US" smtClean="0"/>
               <a:t>10/4/23</a:t>
             </a:fld>
@@ -2374,7 +2926,7 @@
           <a:bodyPr/>
           <a:lstStyle/>
           <a:p>
-            <a:fld id="{D66D9E99-DEF4-5F4C-BB4E-69E4AF9A0785}" type="datetimeFigureOut">
+            <a:fld id="{68640479-50A1-9B46-B617-AD806FF02C57}" type="datetime1">
               <a:rPr lang="en-US" smtClean="0"/>
               <a:t>10/4/23</a:t>
             </a:fld>
@@ -2662,7 +3214,7 @@
           <a:bodyPr/>
           <a:lstStyle/>
           <a:p>
-            <a:fld id="{D66D9E99-DEF4-5F4C-BB4E-69E4AF9A0785}" type="datetimeFigureOut">
+            <a:fld id="{20A47D30-5663-F247-8DF3-5D6867342430}" type="datetime1">
               <a:rPr lang="en-US" smtClean="0"/>
               <a:t>10/4/23</a:t>
             </a:fld>
@@ -2903,7 +3455,7 @@
             </a:lvl1pPr>
           </a:lstStyle>
           <a:p>
-            <a:fld id="{D66D9E99-DEF4-5F4C-BB4E-69E4AF9A0785}" type="datetimeFigureOut">
+            <a:fld id="{5FD23F36-570D-E24C-8DB8-11CA6800C49B}" type="datetime1">
               <a:rPr lang="en-US" smtClean="0"/>
               <a:t>10/4/23</a:t>
             </a:fld>
@@ -3022,6 +3574,7 @@
     <p:sldLayoutId id="2147483658" r:id="rId10"/>
     <p:sldLayoutId id="2147483659" r:id="rId11"/>
   </p:sldLayoutIdLst>
+  <p:hf hdr="0" ftr="0" dt="0"/>
   <p:txStyles>
     <p:titleStyle>
       <a:lvl1pPr algn="l" defTabSz="914400" rtl="0" eaLnBrk="1" latinLnBrk="0" hangingPunct="1">
@@ -3336,8 +3889,8 @@
         </p:nvGrpSpPr>
         <p:grpSpPr>
           <a:xfrm>
-            <a:off x="249641" y="-183336"/>
-            <a:ext cx="5360326" cy="6482328"/>
+            <a:off x="192491" y="171449"/>
+            <a:ext cx="4640766" cy="6094885"/>
             <a:chOff x="212571" y="-170980"/>
             <a:chExt cx="4727160" cy="6482328"/>
           </a:xfrm>
@@ -3607,7 +4160,7 @@
           <p:grpSpPr>
             <a:xfrm>
               <a:off x="212571" y="-141297"/>
-              <a:ext cx="1009942" cy="5905993"/>
+              <a:ext cx="1009942" cy="5905994"/>
               <a:chOff x="4473145" y="1309816"/>
               <a:chExt cx="568412" cy="3570297"/>
             </a:xfrm>
@@ -3859,7 +4412,7 @@
         </p:blipFill>
         <p:spPr>
           <a:xfrm>
-            <a:off x="6096000" y="4325258"/>
+            <a:off x="5842912" y="4169587"/>
             <a:ext cx="5609965" cy="1153599"/>
           </a:xfrm>
           <a:prstGeom prst="rect">
@@ -3867,6 +4420,268 @@
           </a:prstGeom>
         </p:spPr>
       </p:pic>
+      <p:sp>
+        <p:nvSpPr>
+          <p:cNvPr id="18" name="Marcador de texto 2">
+            <a:extLst>
+              <a:ext uri="{FF2B5EF4-FFF2-40B4-BE49-F238E27FC236}">
+                <a16:creationId xmlns:a16="http://schemas.microsoft.com/office/drawing/2014/main" id="{3FE4976D-EDCD-1203-1D33-3E6A9824A909}"/>
+              </a:ext>
+            </a:extLst>
+          </p:cNvPr>
+          <p:cNvSpPr txBox="1">
+            <a:spLocks/>
+          </p:cNvSpPr>
+          <p:nvPr/>
+        </p:nvSpPr>
+        <p:spPr>
+          <a:xfrm>
+            <a:off x="5437615" y="1930217"/>
+            <a:ext cx="6302427" cy="1939654"/>
+          </a:xfrm>
+          <a:prstGeom prst="rect">
+            <a:avLst/>
+          </a:prstGeom>
+        </p:spPr>
+        <p:txBody>
+          <a:bodyPr/>
+          <a:lstStyle>
+            <a:lvl1pPr marL="0" indent="0" algn="r" rtl="0" eaLnBrk="1" fontAlgn="base" hangingPunct="1">
+              <a:spcBef>
+                <a:spcPct val="20000"/>
+              </a:spcBef>
+              <a:spcAft>
+                <a:spcPct val="0"/>
+              </a:spcAft>
+              <a:buFont typeface="Arial" charset="0"/>
+              <a:buNone/>
+              <a:defRPr sz="2200" kern="1200" baseline="0">
+                <a:solidFill>
+                  <a:schemeClr val="tx1"/>
+                </a:solidFill>
+                <a:latin typeface="+mn-lt"/>
+                <a:ea typeface="+mn-ea"/>
+                <a:cs typeface="+mn-cs"/>
+              </a:defRPr>
+            </a:lvl1pPr>
+            <a:lvl2pPr marL="742913" indent="-285737" algn="l" rtl="0" eaLnBrk="1" fontAlgn="base" hangingPunct="1">
+              <a:spcBef>
+                <a:spcPct val="20000"/>
+              </a:spcBef>
+              <a:spcAft>
+                <a:spcPct val="0"/>
+              </a:spcAft>
+              <a:buFont typeface="Arial" charset="0"/>
+              <a:buChar char="–"/>
+              <a:defRPr sz="2800" kern="1200">
+                <a:solidFill>
+                  <a:schemeClr val="tx1"/>
+                </a:solidFill>
+                <a:latin typeface="+mn-lt"/>
+                <a:ea typeface="+mn-ea"/>
+                <a:cs typeface="+mn-cs"/>
+              </a:defRPr>
+            </a:lvl2pPr>
+            <a:lvl3pPr marL="1142942" indent="-228589" algn="l" rtl="0" eaLnBrk="1" fontAlgn="base" hangingPunct="1">
+              <a:spcBef>
+                <a:spcPct val="20000"/>
+              </a:spcBef>
+              <a:spcAft>
+                <a:spcPct val="0"/>
+              </a:spcAft>
+              <a:buFont typeface="Arial" charset="0"/>
+              <a:buChar char="•"/>
+              <a:defRPr sz="2400" kern="1200">
+                <a:solidFill>
+                  <a:schemeClr val="tx1"/>
+                </a:solidFill>
+                <a:latin typeface="+mn-lt"/>
+                <a:ea typeface="+mn-ea"/>
+                <a:cs typeface="+mn-cs"/>
+              </a:defRPr>
+            </a:lvl3pPr>
+            <a:lvl4pPr marL="1600120" indent="-228589" algn="l" rtl="0" eaLnBrk="1" fontAlgn="base" hangingPunct="1">
+              <a:spcBef>
+                <a:spcPct val="20000"/>
+              </a:spcBef>
+              <a:spcAft>
+                <a:spcPct val="0"/>
+              </a:spcAft>
+              <a:buFont typeface="Arial" charset="0"/>
+              <a:buChar char="–"/>
+              <a:defRPr sz="2000" kern="1200">
+                <a:solidFill>
+                  <a:schemeClr val="tx1"/>
+                </a:solidFill>
+                <a:latin typeface="+mn-lt"/>
+                <a:ea typeface="+mn-ea"/>
+                <a:cs typeface="+mn-cs"/>
+              </a:defRPr>
+            </a:lvl4pPr>
+            <a:lvl5pPr marL="2057298" indent="-228589" algn="l" rtl="0" eaLnBrk="1" fontAlgn="base" hangingPunct="1">
+              <a:spcBef>
+                <a:spcPct val="20000"/>
+              </a:spcBef>
+              <a:spcAft>
+                <a:spcPct val="0"/>
+              </a:spcAft>
+              <a:buFont typeface="Arial" charset="0"/>
+              <a:buChar char="»"/>
+              <a:defRPr sz="2000" kern="1200">
+                <a:solidFill>
+                  <a:schemeClr val="tx1"/>
+                </a:solidFill>
+                <a:latin typeface="+mn-lt"/>
+                <a:ea typeface="+mn-ea"/>
+                <a:cs typeface="+mn-cs"/>
+              </a:defRPr>
+            </a:lvl5pPr>
+            <a:lvl6pPr marL="2514474" indent="-228589" algn="l" defTabSz="914354" rtl="0" eaLnBrk="1" latinLnBrk="0" hangingPunct="1">
+              <a:spcBef>
+                <a:spcPct val="20000"/>
+              </a:spcBef>
+              <a:buFont typeface="Arial" pitchFamily="34" charset="0"/>
+              <a:buChar char="•"/>
+              <a:defRPr sz="2000" kern="1200">
+                <a:solidFill>
+                  <a:schemeClr val="tx1"/>
+                </a:solidFill>
+                <a:latin typeface="+mn-lt"/>
+                <a:ea typeface="+mn-ea"/>
+                <a:cs typeface="+mn-cs"/>
+              </a:defRPr>
+            </a:lvl6pPr>
+            <a:lvl7pPr marL="2971652" indent="-228589" algn="l" defTabSz="914354" rtl="0" eaLnBrk="1" latinLnBrk="0" hangingPunct="1">
+              <a:spcBef>
+                <a:spcPct val="20000"/>
+              </a:spcBef>
+              <a:buFont typeface="Arial" pitchFamily="34" charset="0"/>
+              <a:buChar char="•"/>
+              <a:defRPr sz="2000" kern="1200">
+                <a:solidFill>
+                  <a:schemeClr val="tx1"/>
+                </a:solidFill>
+                <a:latin typeface="+mn-lt"/>
+                <a:ea typeface="+mn-ea"/>
+                <a:cs typeface="+mn-cs"/>
+              </a:defRPr>
+            </a:lvl7pPr>
+            <a:lvl8pPr marL="3428829" indent="-228589" algn="l" defTabSz="914354" rtl="0" eaLnBrk="1" latinLnBrk="0" hangingPunct="1">
+              <a:spcBef>
+                <a:spcPct val="20000"/>
+              </a:spcBef>
+              <a:buFont typeface="Arial" pitchFamily="34" charset="0"/>
+              <a:buChar char="•"/>
+              <a:defRPr sz="2000" kern="1200">
+                <a:solidFill>
+                  <a:schemeClr val="tx1"/>
+                </a:solidFill>
+                <a:latin typeface="+mn-lt"/>
+                <a:ea typeface="+mn-ea"/>
+                <a:cs typeface="+mn-cs"/>
+              </a:defRPr>
+            </a:lvl8pPr>
+            <a:lvl9pPr marL="3886006" indent="-228589" algn="l" defTabSz="914354" rtl="0" eaLnBrk="1" latinLnBrk="0" hangingPunct="1">
+              <a:spcBef>
+                <a:spcPct val="20000"/>
+              </a:spcBef>
+              <a:buFont typeface="Arial" pitchFamily="34" charset="0"/>
+              <a:buChar char="•"/>
+              <a:defRPr sz="2000" kern="1200">
+                <a:solidFill>
+                  <a:schemeClr val="tx1"/>
+                </a:solidFill>
+                <a:latin typeface="+mn-lt"/>
+                <a:ea typeface="+mn-ea"/>
+                <a:cs typeface="+mn-cs"/>
+              </a:defRPr>
+            </a:lvl9pPr>
+          </a:lstStyle>
+          <a:p>
+            <a:r>
+              <a:rPr lang="en-US" sz="3200" b="1" dirty="0">
+                <a:latin typeface="Century Gothic" panose="020B0502020202020204" pitchFamily="34" charset="0"/>
+              </a:rPr>
+              <a:t>Supplier Audit Result Prediction</a:t>
+            </a:r>
+          </a:p>
+          <a:p>
+            <a:r>
+              <a:rPr lang="en-GB" sz="2400" dirty="0">
+                <a:latin typeface="Century Gothic" panose="020B0502020202020204" pitchFamily="34" charset="0"/>
+              </a:rPr>
+              <a:t>Data Science Internship Case Study</a:t>
+            </a:r>
+          </a:p>
+          <a:p>
+            <a:endParaRPr lang="en-GB" sz="1400" dirty="0">
+              <a:latin typeface="Century Gothic" panose="020B0502020202020204" pitchFamily="34" charset="0"/>
+            </a:endParaRPr>
+          </a:p>
+          <a:p>
+            <a:r>
+              <a:rPr lang="en-GB" sz="1400" dirty="0">
+                <a:latin typeface="Century Gothic" panose="020B0502020202020204" pitchFamily="34" charset="0"/>
+              </a:rPr>
+              <a:t>Juan Betancourt</a:t>
+            </a:r>
+          </a:p>
+          <a:p>
+            <a:r>
+              <a:rPr lang="en-GB" sz="1400" dirty="0">
+                <a:latin typeface="Century Gothic" panose="020B0502020202020204" pitchFamily="34" charset="0"/>
+              </a:rPr>
+              <a:t>October 2023</a:t>
+            </a:r>
+          </a:p>
+          <a:p>
+            <a:endParaRPr lang="en-GB" sz="1400" dirty="0">
+              <a:latin typeface="Century Gothic" panose="020B0502020202020204" pitchFamily="34" charset="0"/>
+            </a:endParaRPr>
+          </a:p>
+        </p:txBody>
+      </p:sp>
+      <p:cxnSp>
+        <p:nvCxnSpPr>
+          <p:cNvPr id="20" name="Straight Connector 19">
+            <a:extLst>
+              <a:ext uri="{FF2B5EF4-FFF2-40B4-BE49-F238E27FC236}">
+                <a16:creationId xmlns:a16="http://schemas.microsoft.com/office/drawing/2014/main" id="{7223B9BE-C861-3398-D425-191F401E5D4A}"/>
+              </a:ext>
+            </a:extLst>
+          </p:cNvPr>
+          <p:cNvCxnSpPr/>
+          <p:nvPr/>
+        </p:nvCxnSpPr>
+        <p:spPr>
+          <a:xfrm>
+            <a:off x="5331279" y="3979626"/>
+            <a:ext cx="6515100" cy="0"/>
+          </a:xfrm>
+          <a:prstGeom prst="line">
+            <a:avLst/>
+          </a:prstGeom>
+          <a:ln>
+            <a:solidFill>
+              <a:schemeClr val="tx1"/>
+            </a:solidFill>
+          </a:ln>
+        </p:spPr>
+        <p:style>
+          <a:lnRef idx="1">
+            <a:schemeClr val="accent1"/>
+          </a:lnRef>
+          <a:fillRef idx="0">
+            <a:schemeClr val="accent1"/>
+          </a:fillRef>
+          <a:effectRef idx="0">
+            <a:schemeClr val="accent1"/>
+          </a:effectRef>
+          <a:fontRef idx="minor">
+            <a:schemeClr val="tx1"/>
+          </a:fontRef>
+        </p:style>
+      </p:cxnSp>
     </p:spTree>
     <p:extLst>
       <p:ext uri="{BB962C8B-B14F-4D97-AF65-F5344CB8AC3E}">
@@ -3919,7 +4734,7 @@
         </p:blipFill>
         <p:spPr>
           <a:xfrm>
-            <a:off x="159438" y="6153494"/>
+            <a:off x="9074248" y="169181"/>
             <a:ext cx="2954466" cy="607538"/>
           </a:xfrm>
           <a:prstGeom prst="rect">
@@ -3927,6 +4742,689 @@
           </a:prstGeom>
         </p:spPr>
       </p:pic>
+      <p:sp>
+        <p:nvSpPr>
+          <p:cNvPr id="5" name="Slide Number Placeholder 4">
+            <a:extLst>
+              <a:ext uri="{FF2B5EF4-FFF2-40B4-BE49-F238E27FC236}">
+                <a16:creationId xmlns:a16="http://schemas.microsoft.com/office/drawing/2014/main" id="{2CC8986C-A81C-D5C5-0E04-9ADF39344543}"/>
+              </a:ext>
+            </a:extLst>
+          </p:cNvPr>
+          <p:cNvSpPr>
+            <a:spLocks noGrp="1"/>
+          </p:cNvSpPr>
+          <p:nvPr>
+            <p:ph type="sldNum" sz="quarter" idx="12"/>
+          </p:nvPr>
+        </p:nvSpPr>
+        <p:spPr/>
+        <p:txBody>
+          <a:bodyPr/>
+          <a:lstStyle/>
+          <a:p>
+            <a:fld id="{FC4FBB5D-3230-2145-92B5-86659A2CD8D6}" type="slidenum">
+              <a:rPr lang="en-US" smtClean="0"/>
+              <a:t>1</a:t>
+            </a:fld>
+            <a:endParaRPr lang="en-US" dirty="0"/>
+          </a:p>
+        </p:txBody>
+      </p:sp>
+      <p:cxnSp>
+        <p:nvCxnSpPr>
+          <p:cNvPr id="7" name="Straight Connector 6">
+            <a:extLst>
+              <a:ext uri="{FF2B5EF4-FFF2-40B4-BE49-F238E27FC236}">
+                <a16:creationId xmlns:a16="http://schemas.microsoft.com/office/drawing/2014/main" id="{77C60879-2F92-E9EA-0BF3-38F7E5645515}"/>
+              </a:ext>
+            </a:extLst>
+          </p:cNvPr>
+          <p:cNvCxnSpPr>
+            <a:cxnSpLocks/>
+          </p:cNvCxnSpPr>
+          <p:nvPr/>
+        </p:nvCxnSpPr>
+        <p:spPr>
+          <a:xfrm>
+            <a:off x="0" y="771058"/>
+            <a:ext cx="5024883" cy="0"/>
+          </a:xfrm>
+          <a:prstGeom prst="line">
+            <a:avLst/>
+          </a:prstGeom>
+          <a:ln>
+            <a:solidFill>
+              <a:schemeClr val="tx1"/>
+            </a:solidFill>
+          </a:ln>
+        </p:spPr>
+        <p:style>
+          <a:lnRef idx="1">
+            <a:schemeClr val="accent1"/>
+          </a:lnRef>
+          <a:fillRef idx="0">
+            <a:schemeClr val="accent1"/>
+          </a:fillRef>
+          <a:effectRef idx="0">
+            <a:schemeClr val="accent1"/>
+          </a:effectRef>
+          <a:fontRef idx="minor">
+            <a:schemeClr val="tx1"/>
+          </a:fontRef>
+        </p:style>
+      </p:cxnSp>
+      <p:sp>
+        <p:nvSpPr>
+          <p:cNvPr id="8" name="Marcador de texto 2">
+            <a:extLst>
+              <a:ext uri="{FF2B5EF4-FFF2-40B4-BE49-F238E27FC236}">
+                <a16:creationId xmlns:a16="http://schemas.microsoft.com/office/drawing/2014/main" id="{5D88F91B-ADFC-939F-C228-0B4B818927D2}"/>
+              </a:ext>
+            </a:extLst>
+          </p:cNvPr>
+          <p:cNvSpPr txBox="1">
+            <a:spLocks/>
+          </p:cNvSpPr>
+          <p:nvPr/>
+        </p:nvSpPr>
+        <p:spPr>
+          <a:xfrm>
+            <a:off x="371709" y="96968"/>
+            <a:ext cx="6795410" cy="821147"/>
+          </a:xfrm>
+          <a:prstGeom prst="rect">
+            <a:avLst/>
+          </a:prstGeom>
+        </p:spPr>
+        <p:txBody>
+          <a:bodyPr/>
+          <a:lstStyle>
+            <a:lvl1pPr marL="0" indent="0" algn="r" rtl="0" eaLnBrk="1" fontAlgn="base" hangingPunct="1">
+              <a:spcBef>
+                <a:spcPct val="20000"/>
+              </a:spcBef>
+              <a:spcAft>
+                <a:spcPct val="0"/>
+              </a:spcAft>
+              <a:buFont typeface="Arial" charset="0"/>
+              <a:buNone/>
+              <a:defRPr sz="2200" kern="1200" baseline="0">
+                <a:solidFill>
+                  <a:schemeClr val="tx1"/>
+                </a:solidFill>
+                <a:latin typeface="+mn-lt"/>
+                <a:ea typeface="+mn-ea"/>
+                <a:cs typeface="+mn-cs"/>
+              </a:defRPr>
+            </a:lvl1pPr>
+            <a:lvl2pPr marL="742913" indent="-285737" algn="l" rtl="0" eaLnBrk="1" fontAlgn="base" hangingPunct="1">
+              <a:spcBef>
+                <a:spcPct val="20000"/>
+              </a:spcBef>
+              <a:spcAft>
+                <a:spcPct val="0"/>
+              </a:spcAft>
+              <a:buFont typeface="Arial" charset="0"/>
+              <a:buChar char="–"/>
+              <a:defRPr sz="2800" kern="1200">
+                <a:solidFill>
+                  <a:schemeClr val="tx1"/>
+                </a:solidFill>
+                <a:latin typeface="+mn-lt"/>
+                <a:ea typeface="+mn-ea"/>
+                <a:cs typeface="+mn-cs"/>
+              </a:defRPr>
+            </a:lvl2pPr>
+            <a:lvl3pPr marL="1142942" indent="-228589" algn="l" rtl="0" eaLnBrk="1" fontAlgn="base" hangingPunct="1">
+              <a:spcBef>
+                <a:spcPct val="20000"/>
+              </a:spcBef>
+              <a:spcAft>
+                <a:spcPct val="0"/>
+              </a:spcAft>
+              <a:buFont typeface="Arial" charset="0"/>
+              <a:buChar char="•"/>
+              <a:defRPr sz="2400" kern="1200">
+                <a:solidFill>
+                  <a:schemeClr val="tx1"/>
+                </a:solidFill>
+                <a:latin typeface="+mn-lt"/>
+                <a:ea typeface="+mn-ea"/>
+                <a:cs typeface="+mn-cs"/>
+              </a:defRPr>
+            </a:lvl3pPr>
+            <a:lvl4pPr marL="1600120" indent="-228589" algn="l" rtl="0" eaLnBrk="1" fontAlgn="base" hangingPunct="1">
+              <a:spcBef>
+                <a:spcPct val="20000"/>
+              </a:spcBef>
+              <a:spcAft>
+                <a:spcPct val="0"/>
+              </a:spcAft>
+              <a:buFont typeface="Arial" charset="0"/>
+              <a:buChar char="–"/>
+              <a:defRPr sz="2000" kern="1200">
+                <a:solidFill>
+                  <a:schemeClr val="tx1"/>
+                </a:solidFill>
+                <a:latin typeface="+mn-lt"/>
+                <a:ea typeface="+mn-ea"/>
+                <a:cs typeface="+mn-cs"/>
+              </a:defRPr>
+            </a:lvl4pPr>
+            <a:lvl5pPr marL="2057298" indent="-228589" algn="l" rtl="0" eaLnBrk="1" fontAlgn="base" hangingPunct="1">
+              <a:spcBef>
+                <a:spcPct val="20000"/>
+              </a:spcBef>
+              <a:spcAft>
+                <a:spcPct val="0"/>
+              </a:spcAft>
+              <a:buFont typeface="Arial" charset="0"/>
+              <a:buChar char="»"/>
+              <a:defRPr sz="2000" kern="1200">
+                <a:solidFill>
+                  <a:schemeClr val="tx1"/>
+                </a:solidFill>
+                <a:latin typeface="+mn-lt"/>
+                <a:ea typeface="+mn-ea"/>
+                <a:cs typeface="+mn-cs"/>
+              </a:defRPr>
+            </a:lvl5pPr>
+            <a:lvl6pPr marL="2514474" indent="-228589" algn="l" defTabSz="914354" rtl="0" eaLnBrk="1" latinLnBrk="0" hangingPunct="1">
+              <a:spcBef>
+                <a:spcPct val="20000"/>
+              </a:spcBef>
+              <a:buFont typeface="Arial" pitchFamily="34" charset="0"/>
+              <a:buChar char="•"/>
+              <a:defRPr sz="2000" kern="1200">
+                <a:solidFill>
+                  <a:schemeClr val="tx1"/>
+                </a:solidFill>
+                <a:latin typeface="+mn-lt"/>
+                <a:ea typeface="+mn-ea"/>
+                <a:cs typeface="+mn-cs"/>
+              </a:defRPr>
+            </a:lvl6pPr>
+            <a:lvl7pPr marL="2971652" indent="-228589" algn="l" defTabSz="914354" rtl="0" eaLnBrk="1" latinLnBrk="0" hangingPunct="1">
+              <a:spcBef>
+                <a:spcPct val="20000"/>
+              </a:spcBef>
+              <a:buFont typeface="Arial" pitchFamily="34" charset="0"/>
+              <a:buChar char="•"/>
+              <a:defRPr sz="2000" kern="1200">
+                <a:solidFill>
+                  <a:schemeClr val="tx1"/>
+                </a:solidFill>
+                <a:latin typeface="+mn-lt"/>
+                <a:ea typeface="+mn-ea"/>
+                <a:cs typeface="+mn-cs"/>
+              </a:defRPr>
+            </a:lvl7pPr>
+            <a:lvl8pPr marL="3428829" indent="-228589" algn="l" defTabSz="914354" rtl="0" eaLnBrk="1" latinLnBrk="0" hangingPunct="1">
+              <a:spcBef>
+                <a:spcPct val="20000"/>
+              </a:spcBef>
+              <a:buFont typeface="Arial" pitchFamily="34" charset="0"/>
+              <a:buChar char="•"/>
+              <a:defRPr sz="2000" kern="1200">
+                <a:solidFill>
+                  <a:schemeClr val="tx1"/>
+                </a:solidFill>
+                <a:latin typeface="+mn-lt"/>
+                <a:ea typeface="+mn-ea"/>
+                <a:cs typeface="+mn-cs"/>
+              </a:defRPr>
+            </a:lvl8pPr>
+            <a:lvl9pPr marL="3886006" indent="-228589" algn="l" defTabSz="914354" rtl="0" eaLnBrk="1" latinLnBrk="0" hangingPunct="1">
+              <a:spcBef>
+                <a:spcPct val="20000"/>
+              </a:spcBef>
+              <a:buFont typeface="Arial" pitchFamily="34" charset="0"/>
+              <a:buChar char="•"/>
+              <a:defRPr sz="2000" kern="1200">
+                <a:solidFill>
+                  <a:schemeClr val="tx1"/>
+                </a:solidFill>
+                <a:latin typeface="+mn-lt"/>
+                <a:ea typeface="+mn-ea"/>
+                <a:cs typeface="+mn-cs"/>
+              </a:defRPr>
+            </a:lvl9pPr>
+          </a:lstStyle>
+          <a:p>
+            <a:pPr algn="l"/>
+            <a:r>
+              <a:rPr lang="en-US" sz="3600" b="1" dirty="0">
+                <a:latin typeface="Century Gothic" panose="020B0502020202020204" pitchFamily="34" charset="0"/>
+              </a:rPr>
+              <a:t>Contents</a:t>
+            </a:r>
+            <a:endParaRPr lang="en-US" sz="3200" b="1" dirty="0">
+              <a:latin typeface="Century Gothic" panose="020B0502020202020204" pitchFamily="34" charset="0"/>
+            </a:endParaRPr>
+          </a:p>
+          <a:p>
+            <a:endParaRPr lang="en-GB" sz="1400" dirty="0">
+              <a:latin typeface="Century Gothic" panose="020B0502020202020204" pitchFamily="34" charset="0"/>
+            </a:endParaRPr>
+          </a:p>
+        </p:txBody>
+      </p:sp>
+      <p:sp>
+        <p:nvSpPr>
+          <p:cNvPr id="13" name="TextBox 12">
+            <a:extLst>
+              <a:ext uri="{FF2B5EF4-FFF2-40B4-BE49-F238E27FC236}">
+                <a16:creationId xmlns:a16="http://schemas.microsoft.com/office/drawing/2014/main" id="{4E920A34-EA6A-920F-EE0C-509D9EC8E141}"/>
+              </a:ext>
+            </a:extLst>
+          </p:cNvPr>
+          <p:cNvSpPr txBox="1"/>
+          <p:nvPr/>
+        </p:nvSpPr>
+        <p:spPr bwMode="auto">
+          <a:xfrm>
+            <a:off x="320899" y="1049926"/>
+            <a:ext cx="6172659" cy="523220"/>
+          </a:xfrm>
+          <a:prstGeom prst="rect">
+            <a:avLst/>
+          </a:prstGeom>
+          <a:noFill/>
+          <a:ln w="9525">
+            <a:noFill/>
+            <a:miter lim="800000"/>
+            <a:headEnd/>
+            <a:tailEnd/>
+          </a:ln>
+        </p:spPr>
+        <p:txBody>
+          <a:bodyPr wrap="square" rtlCol="0">
+            <a:spAutoFit/>
+          </a:bodyPr>
+          <a:lstStyle/>
+          <a:p>
+            <a:r>
+              <a:rPr lang="es-CO" sz="2800" err="1">
+                <a:latin typeface="Century Gothic" panose="020B0502020202020204" pitchFamily="34" charset="0"/>
+              </a:rPr>
+              <a:t>Introduction</a:t>
+            </a:r>
+            <a:endParaRPr lang="es-CO" sz="2800">
+              <a:solidFill>
+                <a:schemeClr val="tx1"/>
+              </a:solidFill>
+              <a:latin typeface="Century Gothic" panose="020B0502020202020204" pitchFamily="34" charset="0"/>
+            </a:endParaRPr>
+          </a:p>
+        </p:txBody>
+      </p:sp>
+      <p:sp>
+        <p:nvSpPr>
+          <p:cNvPr id="14" name="TextBox 13">
+            <a:extLst>
+              <a:ext uri="{FF2B5EF4-FFF2-40B4-BE49-F238E27FC236}">
+                <a16:creationId xmlns:a16="http://schemas.microsoft.com/office/drawing/2014/main" id="{5BFD7CE1-034C-4D0C-BCA1-506EC0B04E89}"/>
+              </a:ext>
+            </a:extLst>
+          </p:cNvPr>
+          <p:cNvSpPr txBox="1"/>
+          <p:nvPr/>
+        </p:nvSpPr>
+        <p:spPr bwMode="auto">
+          <a:xfrm>
+            <a:off x="371709" y="2390663"/>
+            <a:ext cx="6904497" cy="954107"/>
+          </a:xfrm>
+          <a:prstGeom prst="rect">
+            <a:avLst/>
+          </a:prstGeom>
+          <a:noFill/>
+          <a:ln w="9525">
+            <a:noFill/>
+            <a:miter lim="800000"/>
+            <a:headEnd/>
+            <a:tailEnd/>
+          </a:ln>
+        </p:spPr>
+        <p:txBody>
+          <a:bodyPr wrap="square" rtlCol="0">
+            <a:spAutoFit/>
+          </a:bodyPr>
+          <a:lstStyle/>
+          <a:p>
+            <a:r>
+              <a:rPr lang="es-CO" sz="2800" dirty="0">
+                <a:latin typeface="Century Gothic" panose="020B0502020202020204" pitchFamily="34" charset="0"/>
+              </a:rPr>
+              <a:t>Data </a:t>
+            </a:r>
+            <a:r>
+              <a:rPr lang="es-CO" sz="2800" dirty="0" err="1">
+                <a:latin typeface="Century Gothic" panose="020B0502020202020204" pitchFamily="34" charset="0"/>
+              </a:rPr>
+              <a:t>Preprocessing</a:t>
+            </a:r>
+            <a:r>
+              <a:rPr lang="es-CO" sz="2800" dirty="0">
+                <a:latin typeface="Century Gothic" panose="020B0502020202020204" pitchFamily="34" charset="0"/>
+              </a:rPr>
+              <a:t> Data and </a:t>
+            </a:r>
+            <a:r>
+              <a:rPr lang="es-CO" sz="2800" dirty="0" err="1">
+                <a:latin typeface="Century Gothic" panose="020B0502020202020204" pitchFamily="34" charset="0"/>
+              </a:rPr>
+              <a:t>Feature</a:t>
+            </a:r>
+            <a:r>
+              <a:rPr lang="es-CO" sz="2800" dirty="0">
+                <a:latin typeface="Century Gothic" panose="020B0502020202020204" pitchFamily="34" charset="0"/>
+              </a:rPr>
+              <a:t> </a:t>
+            </a:r>
+            <a:r>
+              <a:rPr lang="es-CO" sz="2800" dirty="0" err="1">
+                <a:latin typeface="Century Gothic" panose="020B0502020202020204" pitchFamily="34" charset="0"/>
+              </a:rPr>
+              <a:t>Engineering</a:t>
+            </a:r>
+            <a:endParaRPr lang="es-CO" sz="2800" dirty="0">
+              <a:latin typeface="Century Gothic" panose="020B0502020202020204" pitchFamily="34" charset="0"/>
+            </a:endParaRPr>
+          </a:p>
+        </p:txBody>
+      </p:sp>
+      <p:sp>
+        <p:nvSpPr>
+          <p:cNvPr id="15" name="TextBox 14">
+            <a:extLst>
+              <a:ext uri="{FF2B5EF4-FFF2-40B4-BE49-F238E27FC236}">
+                <a16:creationId xmlns:a16="http://schemas.microsoft.com/office/drawing/2014/main" id="{BB7AA924-A73A-F1C5-E779-49AA36276BFA}"/>
+              </a:ext>
+            </a:extLst>
+          </p:cNvPr>
+          <p:cNvSpPr txBox="1"/>
+          <p:nvPr/>
+        </p:nvSpPr>
+        <p:spPr bwMode="auto">
+          <a:xfrm>
+            <a:off x="320894" y="1721541"/>
+            <a:ext cx="6172659" cy="523220"/>
+          </a:xfrm>
+          <a:prstGeom prst="rect">
+            <a:avLst/>
+          </a:prstGeom>
+          <a:noFill/>
+          <a:ln w="9525">
+            <a:noFill/>
+            <a:miter lim="800000"/>
+            <a:headEnd/>
+            <a:tailEnd/>
+          </a:ln>
+        </p:spPr>
+        <p:txBody>
+          <a:bodyPr wrap="square" rtlCol="0">
+            <a:spAutoFit/>
+          </a:bodyPr>
+          <a:lstStyle/>
+          <a:p>
+            <a:r>
+              <a:rPr lang="es-CO" sz="2800" dirty="0">
+                <a:latin typeface="Century Gothic" panose="020B0502020202020204" pitchFamily="34" charset="0"/>
+              </a:rPr>
+              <a:t>Data </a:t>
+            </a:r>
+            <a:r>
+              <a:rPr lang="es-CO" sz="2800" dirty="0" err="1">
+                <a:latin typeface="Century Gothic" panose="020B0502020202020204" pitchFamily="34" charset="0"/>
+              </a:rPr>
+              <a:t>Exploration</a:t>
+            </a:r>
+            <a:endParaRPr lang="es-CO" sz="2800" dirty="0">
+              <a:latin typeface="Century Gothic" panose="020B0502020202020204" pitchFamily="34" charset="0"/>
+            </a:endParaRPr>
+          </a:p>
+        </p:txBody>
+      </p:sp>
+      <p:sp>
+        <p:nvSpPr>
+          <p:cNvPr id="16" name="TextBox 15">
+            <a:extLst>
+              <a:ext uri="{FF2B5EF4-FFF2-40B4-BE49-F238E27FC236}">
+                <a16:creationId xmlns:a16="http://schemas.microsoft.com/office/drawing/2014/main" id="{C74DE8CD-F571-3118-F6DD-5B3227F9D20E}"/>
+              </a:ext>
+            </a:extLst>
+          </p:cNvPr>
+          <p:cNvSpPr txBox="1"/>
+          <p:nvPr/>
+        </p:nvSpPr>
+        <p:spPr bwMode="auto">
+          <a:xfrm>
+            <a:off x="320894" y="3490672"/>
+            <a:ext cx="6172659" cy="523220"/>
+          </a:xfrm>
+          <a:prstGeom prst="rect">
+            <a:avLst/>
+          </a:prstGeom>
+          <a:noFill/>
+          <a:ln w="9525">
+            <a:noFill/>
+            <a:miter lim="800000"/>
+            <a:headEnd/>
+            <a:tailEnd/>
+          </a:ln>
+        </p:spPr>
+        <p:txBody>
+          <a:bodyPr wrap="square" rtlCol="0">
+            <a:spAutoFit/>
+          </a:bodyPr>
+          <a:lstStyle/>
+          <a:p>
+            <a:r>
+              <a:rPr lang="es-CO" sz="2800" dirty="0" err="1">
+                <a:latin typeface="Century Gothic" panose="020B0502020202020204" pitchFamily="34" charset="0"/>
+              </a:rPr>
+              <a:t>Model</a:t>
+            </a:r>
+            <a:r>
+              <a:rPr lang="es-CO" sz="2800" dirty="0">
+                <a:latin typeface="Century Gothic" panose="020B0502020202020204" pitchFamily="34" charset="0"/>
+              </a:rPr>
+              <a:t> </a:t>
+            </a:r>
+            <a:r>
+              <a:rPr lang="es-CO" sz="2800" dirty="0" err="1">
+                <a:latin typeface="Century Gothic" panose="020B0502020202020204" pitchFamily="34" charset="0"/>
+              </a:rPr>
+              <a:t>Selection</a:t>
+            </a:r>
+            <a:r>
+              <a:rPr lang="es-CO" sz="2800" dirty="0">
+                <a:latin typeface="Century Gothic" panose="020B0502020202020204" pitchFamily="34" charset="0"/>
+              </a:rPr>
+              <a:t> and </a:t>
+            </a:r>
+            <a:r>
+              <a:rPr lang="es-CO" sz="2800" dirty="0" err="1">
+                <a:latin typeface="Century Gothic" panose="020B0502020202020204" pitchFamily="34" charset="0"/>
+              </a:rPr>
+              <a:t>Predictions</a:t>
+            </a:r>
+            <a:endParaRPr lang="es-CO" sz="2800" dirty="0">
+              <a:latin typeface="Century Gothic" panose="020B0502020202020204" pitchFamily="34" charset="0"/>
+            </a:endParaRPr>
+          </a:p>
+        </p:txBody>
+      </p:sp>
+      <p:sp>
+        <p:nvSpPr>
+          <p:cNvPr id="17" name="TextBox 16">
+            <a:extLst>
+              <a:ext uri="{FF2B5EF4-FFF2-40B4-BE49-F238E27FC236}">
+                <a16:creationId xmlns:a16="http://schemas.microsoft.com/office/drawing/2014/main" id="{3B96259A-2BFE-520E-F57D-3BC683829A72}"/>
+              </a:ext>
+            </a:extLst>
+          </p:cNvPr>
+          <p:cNvSpPr txBox="1"/>
+          <p:nvPr/>
+        </p:nvSpPr>
+        <p:spPr bwMode="auto">
+          <a:xfrm>
+            <a:off x="320893" y="4159794"/>
+            <a:ext cx="6172659" cy="523220"/>
+          </a:xfrm>
+          <a:prstGeom prst="rect">
+            <a:avLst/>
+          </a:prstGeom>
+          <a:noFill/>
+          <a:ln w="9525">
+            <a:noFill/>
+            <a:miter lim="800000"/>
+            <a:headEnd/>
+            <a:tailEnd/>
+          </a:ln>
+        </p:spPr>
+        <p:txBody>
+          <a:bodyPr wrap="square" rtlCol="0">
+            <a:spAutoFit/>
+          </a:bodyPr>
+          <a:lstStyle/>
+          <a:p>
+            <a:r>
+              <a:rPr lang="es-CO" sz="2800" dirty="0">
+                <a:latin typeface="Century Gothic" panose="020B0502020202020204" pitchFamily="34" charset="0"/>
+              </a:rPr>
+              <a:t>Business </a:t>
+            </a:r>
+            <a:r>
+              <a:rPr lang="es-CO" sz="2800" dirty="0" err="1">
+                <a:latin typeface="Century Gothic" panose="020B0502020202020204" pitchFamily="34" charset="0"/>
+              </a:rPr>
+              <a:t>Recomendations</a:t>
+            </a:r>
+            <a:endParaRPr lang="es-CO" sz="2800" dirty="0">
+              <a:latin typeface="Century Gothic" panose="020B0502020202020204" pitchFamily="34" charset="0"/>
+            </a:endParaRPr>
+          </a:p>
+        </p:txBody>
+      </p:sp>
+      <p:sp>
+        <p:nvSpPr>
+          <p:cNvPr id="18" name="TextBox 17">
+            <a:extLst>
+              <a:ext uri="{FF2B5EF4-FFF2-40B4-BE49-F238E27FC236}">
+                <a16:creationId xmlns:a16="http://schemas.microsoft.com/office/drawing/2014/main" id="{900BB728-7AFA-588C-FF6E-093AECAA2C06}"/>
+              </a:ext>
+            </a:extLst>
+          </p:cNvPr>
+          <p:cNvSpPr txBox="1"/>
+          <p:nvPr/>
+        </p:nvSpPr>
+        <p:spPr bwMode="auto">
+          <a:xfrm>
+            <a:off x="320893" y="4829305"/>
+            <a:ext cx="6172659" cy="523220"/>
+          </a:xfrm>
+          <a:prstGeom prst="rect">
+            <a:avLst/>
+          </a:prstGeom>
+          <a:noFill/>
+          <a:ln w="9525">
+            <a:noFill/>
+            <a:miter lim="800000"/>
+            <a:headEnd/>
+            <a:tailEnd/>
+          </a:ln>
+        </p:spPr>
+        <p:txBody>
+          <a:bodyPr wrap="square" rtlCol="0">
+            <a:spAutoFit/>
+          </a:bodyPr>
+          <a:lstStyle/>
+          <a:p>
+            <a:r>
+              <a:rPr lang="es-CO" sz="2800" dirty="0" err="1">
+                <a:latin typeface="Century Gothic" panose="020B0502020202020204" pitchFamily="34" charset="0"/>
+              </a:rPr>
+              <a:t>Model</a:t>
+            </a:r>
+            <a:r>
+              <a:rPr lang="es-CO" sz="2800" dirty="0">
+                <a:latin typeface="Century Gothic" panose="020B0502020202020204" pitchFamily="34" charset="0"/>
+              </a:rPr>
+              <a:t> </a:t>
+            </a:r>
+            <a:r>
+              <a:rPr lang="es-CO" sz="2800" dirty="0" err="1">
+                <a:latin typeface="Century Gothic" panose="020B0502020202020204" pitchFamily="34" charset="0"/>
+              </a:rPr>
+              <a:t>Maintenance</a:t>
+            </a:r>
+            <a:endParaRPr lang="es-CO" sz="2800" dirty="0">
+              <a:latin typeface="Century Gothic" panose="020B0502020202020204" pitchFamily="34" charset="0"/>
+            </a:endParaRPr>
+          </a:p>
+        </p:txBody>
+      </p:sp>
+      <p:sp>
+        <p:nvSpPr>
+          <p:cNvPr id="19" name="TextBox 18">
+            <a:extLst>
+              <a:ext uri="{FF2B5EF4-FFF2-40B4-BE49-F238E27FC236}">
+                <a16:creationId xmlns:a16="http://schemas.microsoft.com/office/drawing/2014/main" id="{7A29727A-CA86-13AC-A26C-976E434562BE}"/>
+              </a:ext>
+            </a:extLst>
+          </p:cNvPr>
+          <p:cNvSpPr txBox="1"/>
+          <p:nvPr/>
+        </p:nvSpPr>
+        <p:spPr bwMode="auto">
+          <a:xfrm>
+            <a:off x="320893" y="5498816"/>
+            <a:ext cx="6172659" cy="523220"/>
+          </a:xfrm>
+          <a:prstGeom prst="rect">
+            <a:avLst/>
+          </a:prstGeom>
+          <a:noFill/>
+          <a:ln w="9525">
+            <a:noFill/>
+            <a:miter lim="800000"/>
+            <a:headEnd/>
+            <a:tailEnd/>
+          </a:ln>
+        </p:spPr>
+        <p:txBody>
+          <a:bodyPr wrap="square" rtlCol="0">
+            <a:spAutoFit/>
+          </a:bodyPr>
+          <a:lstStyle/>
+          <a:p>
+            <a:r>
+              <a:rPr lang="es-CO" sz="2800" dirty="0" err="1">
+                <a:latin typeface="Century Gothic" panose="020B0502020202020204" pitchFamily="34" charset="0"/>
+              </a:rPr>
+              <a:t>Further</a:t>
+            </a:r>
+            <a:r>
+              <a:rPr lang="es-CO" sz="2800" dirty="0">
+                <a:latin typeface="Century Gothic" panose="020B0502020202020204" pitchFamily="34" charset="0"/>
+              </a:rPr>
+              <a:t> </a:t>
+            </a:r>
+            <a:r>
+              <a:rPr lang="es-CO" sz="2800" dirty="0" err="1">
+                <a:latin typeface="Century Gothic" panose="020B0502020202020204" pitchFamily="34" charset="0"/>
+              </a:rPr>
+              <a:t>development</a:t>
+            </a:r>
+            <a:endParaRPr lang="es-CO" sz="2800" dirty="0">
+              <a:latin typeface="Century Gothic" panose="020B0502020202020204" pitchFamily="34" charset="0"/>
+            </a:endParaRPr>
+          </a:p>
+        </p:txBody>
+      </p:sp>
     </p:spTree>
     <p:extLst>
       <p:ext uri="{BB962C8B-B14F-4D97-AF65-F5344CB8AC3E}">
@@ -4233,4 +5731,594 @@
     </a:ext>
   </a:extLst>
 </a:theme>
+</file>
+
+<file path=ppt/theme/theme2.xml><?xml version="1.0" encoding="utf-8"?>
+<a:theme xmlns:a="http://schemas.openxmlformats.org/drawingml/2006/main" name="Office Theme">
+  <a:themeElements>
+    <a:clrScheme name="Office">
+      <a:dk1>
+        <a:sysClr val="windowText" lastClr="000000"/>
+      </a:dk1>
+      <a:lt1>
+        <a:sysClr val="window" lastClr="FFFFFF"/>
+      </a:lt1>
+      <a:dk2>
+        <a:srgbClr val="44546A"/>
+      </a:dk2>
+      <a:lt2>
+        <a:srgbClr val="E7E6E6"/>
+      </a:lt2>
+      <a:accent1>
+        <a:srgbClr val="4472C4"/>
+      </a:accent1>
+      <a:accent2>
+        <a:srgbClr val="ED7D31"/>
+      </a:accent2>
+      <a:accent3>
+        <a:srgbClr val="A5A5A5"/>
+      </a:accent3>
+      <a:accent4>
+        <a:srgbClr val="FFC000"/>
+      </a:accent4>
+      <a:accent5>
+        <a:srgbClr val="5B9BD5"/>
+      </a:accent5>
+      <a:accent6>
+        <a:srgbClr val="70AD47"/>
+      </a:accent6>
+      <a:hlink>
+        <a:srgbClr val="0563C1"/>
+      </a:hlink>
+      <a:folHlink>
+        <a:srgbClr val="954F72"/>
+      </a:folHlink>
+    </a:clrScheme>
+    <a:fontScheme name="Office">
+      <a:majorFont>
+        <a:latin typeface="Calibri Light" panose="020F0302020204030204"/>
+        <a:ea typeface=""/>
+        <a:cs typeface=""/>
+        <a:font script="Jpan" typeface="游ゴシック Light"/>
+        <a:font script="Hang" typeface="맑은 고딕"/>
+        <a:font script="Hans" typeface="等线 Light"/>
+        <a:font script="Hant" typeface="新細明體"/>
+        <a:font script="Arab" typeface="Times New Roman"/>
+        <a:font script="Hebr" typeface="Times New Roman"/>
+        <a:font script="Thai" typeface="Angsana New"/>
+        <a:font script="Ethi" typeface="Nyala"/>
+        <a:font script="Beng" typeface="Vrinda"/>
+        <a:font script="Gujr" typeface="Shruti"/>
+        <a:font script="Khmr" typeface="MoolBoran"/>
+        <a:font script="Knda" typeface="Tunga"/>
+        <a:font script="Guru" typeface="Raavi"/>
+        <a:font script="Cans" typeface="Euphemia"/>
+        <a:font script="Cher" typeface="Plantagenet Cherokee"/>
+        <a:font script="Yiii" typeface="Microsoft Yi Baiti"/>
+        <a:font script="Tibt" typeface="Microsoft Himalaya"/>
+        <a:font script="Thaa" typeface="MV Boli"/>
+        <a:font script="Deva" typeface="Mangal"/>
+        <a:font script="Telu" typeface="Gautami"/>
+        <a:font script="Taml" typeface="Latha"/>
+        <a:font script="Syrc" typeface="Estrangelo Edessa"/>
+        <a:font script="Orya" typeface="Kalinga"/>
+        <a:font script="Mlym" typeface="Kartika"/>
+        <a:font script="Laoo" typeface="DokChampa"/>
+        <a:font script="Sinh" typeface="Iskoola Pota"/>
+        <a:font script="Mong" typeface="Mongolian Baiti"/>
+        <a:font script="Viet" typeface="Times New Roman"/>
+        <a:font script="Uigh" typeface="Microsoft Uighur"/>
+        <a:font script="Geor" typeface="Sylfaen"/>
+        <a:font script="Armn" typeface="Arial"/>
+        <a:font script="Bugi" typeface="Leelawadee UI"/>
+        <a:font script="Bopo" typeface="Microsoft JhengHei"/>
+        <a:font script="Java" typeface="Javanese Text"/>
+        <a:font script="Lisu" typeface="Segoe UI"/>
+        <a:font script="Mymr" typeface="Myanmar Text"/>
+        <a:font script="Nkoo" typeface="Ebrima"/>
+        <a:font script="Olck" typeface="Nirmala UI"/>
+        <a:font script="Osma" typeface="Ebrima"/>
+        <a:font script="Phag" typeface="Phagspa"/>
+        <a:font script="Syrn" typeface="Estrangelo Edessa"/>
+        <a:font script="Syrj" typeface="Estrangelo Edessa"/>
+        <a:font script="Syre" typeface="Estrangelo Edessa"/>
+        <a:font script="Sora" typeface="Nirmala UI"/>
+        <a:font script="Tale" typeface="Microsoft Tai Le"/>
+        <a:font script="Talu" typeface="Microsoft New Tai Lue"/>
+        <a:font script="Tfng" typeface="Ebrima"/>
+      </a:majorFont>
+      <a:minorFont>
+        <a:latin typeface="Calibri" panose="020F0502020204030204"/>
+        <a:ea typeface=""/>
+        <a:cs typeface=""/>
+        <a:font script="Jpan" typeface="游ゴシック"/>
+        <a:font script="Hang" typeface="맑은 고딕"/>
+        <a:font script="Hans" typeface="等线"/>
+        <a:font script="Hant" typeface="新細明體"/>
+        <a:font script="Arab" typeface="Arial"/>
+        <a:font script="Hebr" typeface="Arial"/>
+        <a:font script="Thai" typeface="Cordia New"/>
+        <a:font script="Ethi" typeface="Nyala"/>
+        <a:font script="Beng" typeface="Vrinda"/>
+        <a:font script="Gujr" typeface="Shruti"/>
+        <a:font script="Khmr" typeface="DaunPenh"/>
+        <a:font script="Knda" typeface="Tunga"/>
+        <a:font script="Guru" typeface="Raavi"/>
+        <a:font script="Cans" typeface="Euphemia"/>
+        <a:font script="Cher" typeface="Plantagenet Cherokee"/>
+        <a:font script="Yiii" typeface="Microsoft Yi Baiti"/>
+        <a:font script="Tibt" typeface="Microsoft Himalaya"/>
+        <a:font script="Thaa" typeface="MV Boli"/>
+        <a:font script="Deva" typeface="Mangal"/>
+        <a:font script="Telu" typeface="Gautami"/>
+        <a:font script="Taml" typeface="Latha"/>
+        <a:font script="Syrc" typeface="Estrangelo Edessa"/>
+        <a:font script="Orya" typeface="Kalinga"/>
+        <a:font script="Mlym" typeface="Kartika"/>
+        <a:font script="Laoo" typeface="DokChampa"/>
+        <a:font script="Sinh" typeface="Iskoola Pota"/>
+        <a:font script="Mong" typeface="Mongolian Baiti"/>
+        <a:font script="Viet" typeface="Arial"/>
+        <a:font script="Uigh" typeface="Microsoft Uighur"/>
+        <a:font script="Geor" typeface="Sylfaen"/>
+        <a:font script="Armn" typeface="Arial"/>
+        <a:font script="Bugi" typeface="Leelawadee UI"/>
+        <a:font script="Bopo" typeface="Microsoft JhengHei"/>
+        <a:font script="Java" typeface="Javanese Text"/>
+        <a:font script="Lisu" typeface="Segoe UI"/>
+        <a:font script="Mymr" typeface="Myanmar Text"/>
+        <a:font script="Nkoo" typeface="Ebrima"/>
+        <a:font script="Olck" typeface="Nirmala UI"/>
+        <a:font script="Osma" typeface="Ebrima"/>
+        <a:font script="Phag" typeface="Phagspa"/>
+        <a:font script="Syrn" typeface="Estrangelo Edessa"/>
+        <a:font script="Syrj" typeface="Estrangelo Edessa"/>
+        <a:font script="Syre" typeface="Estrangelo Edessa"/>
+        <a:font script="Sora" typeface="Nirmala UI"/>
+        <a:font script="Tale" typeface="Microsoft Tai Le"/>
+        <a:font script="Talu" typeface="Microsoft New Tai Lue"/>
+        <a:font script="Tfng" typeface="Ebrima"/>
+      </a:minorFont>
+    </a:fontScheme>
+    <a:fmtScheme name="Office">
+      <a:fillStyleLst>
+        <a:solidFill>
+          <a:schemeClr val="phClr"/>
+        </a:solidFill>
+        <a:gradFill rotWithShape="1">
+          <a:gsLst>
+            <a:gs pos="0">
+              <a:schemeClr val="phClr">
+                <a:lumMod val="110000"/>
+                <a:satMod val="105000"/>
+                <a:tint val="67000"/>
+              </a:schemeClr>
+            </a:gs>
+            <a:gs pos="50000">
+              <a:schemeClr val="phClr">
+                <a:lumMod val="105000"/>
+                <a:satMod val="103000"/>
+                <a:tint val="73000"/>
+              </a:schemeClr>
+            </a:gs>
+            <a:gs pos="100000">
+              <a:schemeClr val="phClr">
+                <a:lumMod val="105000"/>
+                <a:satMod val="109000"/>
+                <a:tint val="81000"/>
+              </a:schemeClr>
+            </a:gs>
+          </a:gsLst>
+          <a:lin ang="5400000" scaled="0"/>
+        </a:gradFill>
+        <a:gradFill rotWithShape="1">
+          <a:gsLst>
+            <a:gs pos="0">
+              <a:schemeClr val="phClr">
+                <a:satMod val="103000"/>
+                <a:lumMod val="102000"/>
+                <a:tint val="94000"/>
+              </a:schemeClr>
+            </a:gs>
+            <a:gs pos="50000">
+              <a:schemeClr val="phClr">
+                <a:satMod val="110000"/>
+                <a:lumMod val="100000"/>
+                <a:shade val="100000"/>
+              </a:schemeClr>
+            </a:gs>
+            <a:gs pos="100000">
+              <a:schemeClr val="phClr">
+                <a:lumMod val="99000"/>
+                <a:satMod val="120000"/>
+                <a:shade val="78000"/>
+              </a:schemeClr>
+            </a:gs>
+          </a:gsLst>
+          <a:lin ang="5400000" scaled="0"/>
+        </a:gradFill>
+      </a:fillStyleLst>
+      <a:lnStyleLst>
+        <a:ln w="6350" cap="flat" cmpd="sng" algn="ctr">
+          <a:solidFill>
+            <a:schemeClr val="phClr"/>
+          </a:solidFill>
+          <a:prstDash val="solid"/>
+          <a:miter lim="800000"/>
+        </a:ln>
+        <a:ln w="12700" cap="flat" cmpd="sng" algn="ctr">
+          <a:solidFill>
+            <a:schemeClr val="phClr"/>
+          </a:solidFill>
+          <a:prstDash val="solid"/>
+          <a:miter lim="800000"/>
+        </a:ln>
+        <a:ln w="19050" cap="flat" cmpd="sng" algn="ctr">
+          <a:solidFill>
+            <a:schemeClr val="phClr"/>
+          </a:solidFill>
+          <a:prstDash val="solid"/>
+          <a:miter lim="800000"/>
+        </a:ln>
+      </a:lnStyleLst>
+      <a:effectStyleLst>
+        <a:effectStyle>
+          <a:effectLst/>
+        </a:effectStyle>
+        <a:effectStyle>
+          <a:effectLst/>
+        </a:effectStyle>
+        <a:effectStyle>
+          <a:effectLst>
+            <a:outerShdw blurRad="57150" dist="19050" dir="5400000" algn="ctr" rotWithShape="0">
+              <a:srgbClr val="000000">
+                <a:alpha val="63000"/>
+              </a:srgbClr>
+            </a:outerShdw>
+          </a:effectLst>
+        </a:effectStyle>
+      </a:effectStyleLst>
+      <a:bgFillStyleLst>
+        <a:solidFill>
+          <a:schemeClr val="phClr"/>
+        </a:solidFill>
+        <a:solidFill>
+          <a:schemeClr val="phClr">
+            <a:tint val="95000"/>
+            <a:satMod val="170000"/>
+          </a:schemeClr>
+        </a:solidFill>
+        <a:gradFill rotWithShape="1">
+          <a:gsLst>
+            <a:gs pos="0">
+              <a:schemeClr val="phClr">
+                <a:tint val="93000"/>
+                <a:satMod val="150000"/>
+                <a:shade val="98000"/>
+                <a:lumMod val="102000"/>
+              </a:schemeClr>
+            </a:gs>
+            <a:gs pos="50000">
+              <a:schemeClr val="phClr">
+                <a:tint val="98000"/>
+                <a:satMod val="130000"/>
+                <a:shade val="90000"/>
+                <a:lumMod val="103000"/>
+              </a:schemeClr>
+            </a:gs>
+            <a:gs pos="100000">
+              <a:schemeClr val="phClr">
+                <a:shade val="63000"/>
+                <a:satMod val="120000"/>
+              </a:schemeClr>
+            </a:gs>
+          </a:gsLst>
+          <a:lin ang="5400000" scaled="0"/>
+        </a:gradFill>
+      </a:bgFillStyleLst>
+    </a:fmtScheme>
+  </a:themeElements>
+  <a:objectDefaults/>
+  <a:extraClrSchemeLst/>
+  <a:extLst>
+    <a:ext uri="{05A4C25C-085E-4340-85A3-A5531E510DB2}">
+      <thm15:themeFamily xmlns:thm15="http://schemas.microsoft.com/office/thememl/2012/main" name="Office Theme" id="{62F939B6-93AF-4DB8-9C6B-D6C7DFDC589F}" vid="{4A3C46E8-61CC-4603-A589-7422A47A8E4A}"/>
+    </a:ext>
+  </a:extLst>
+</a:theme>
+</file>
+
+<file path=ppt/theme/theme3.xml><?xml version="1.0" encoding="utf-8"?>
+<a:theme xmlns:a="http://schemas.openxmlformats.org/drawingml/2006/main" name="Office Theme">
+  <a:themeElements>
+    <a:clrScheme name="Office">
+      <a:dk1>
+        <a:sysClr val="windowText" lastClr="000000"/>
+      </a:dk1>
+      <a:lt1>
+        <a:sysClr val="window" lastClr="FFFFFF"/>
+      </a:lt1>
+      <a:dk2>
+        <a:srgbClr val="44546A"/>
+      </a:dk2>
+      <a:lt2>
+        <a:srgbClr val="E7E6E6"/>
+      </a:lt2>
+      <a:accent1>
+        <a:srgbClr val="4472C4"/>
+      </a:accent1>
+      <a:accent2>
+        <a:srgbClr val="ED7D31"/>
+      </a:accent2>
+      <a:accent3>
+        <a:srgbClr val="A5A5A5"/>
+      </a:accent3>
+      <a:accent4>
+        <a:srgbClr val="FFC000"/>
+      </a:accent4>
+      <a:accent5>
+        <a:srgbClr val="5B9BD5"/>
+      </a:accent5>
+      <a:accent6>
+        <a:srgbClr val="70AD47"/>
+      </a:accent6>
+      <a:hlink>
+        <a:srgbClr val="0563C1"/>
+      </a:hlink>
+      <a:folHlink>
+        <a:srgbClr val="954F72"/>
+      </a:folHlink>
+    </a:clrScheme>
+    <a:fontScheme name="Office">
+      <a:majorFont>
+        <a:latin typeface="Calibri Light" panose="020F0302020204030204"/>
+        <a:ea typeface=""/>
+        <a:cs typeface=""/>
+        <a:font script="Jpan" typeface="游ゴシック Light"/>
+        <a:font script="Hang" typeface="맑은 고딕"/>
+        <a:font script="Hans" typeface="等线 Light"/>
+        <a:font script="Hant" typeface="新細明體"/>
+        <a:font script="Arab" typeface="Times New Roman"/>
+        <a:font script="Hebr" typeface="Times New Roman"/>
+        <a:font script="Thai" typeface="Angsana New"/>
+        <a:font script="Ethi" typeface="Nyala"/>
+        <a:font script="Beng" typeface="Vrinda"/>
+        <a:font script="Gujr" typeface="Shruti"/>
+        <a:font script="Khmr" typeface="MoolBoran"/>
+        <a:font script="Knda" typeface="Tunga"/>
+        <a:font script="Guru" typeface="Raavi"/>
+        <a:font script="Cans" typeface="Euphemia"/>
+        <a:font script="Cher" typeface="Plantagenet Cherokee"/>
+        <a:font script="Yiii" typeface="Microsoft Yi Baiti"/>
+        <a:font script="Tibt" typeface="Microsoft Himalaya"/>
+        <a:font script="Thaa" typeface="MV Boli"/>
+        <a:font script="Deva" typeface="Mangal"/>
+        <a:font script="Telu" typeface="Gautami"/>
+        <a:font script="Taml" typeface="Latha"/>
+        <a:font script="Syrc" typeface="Estrangelo Edessa"/>
+        <a:font script="Orya" typeface="Kalinga"/>
+        <a:font script="Mlym" typeface="Kartika"/>
+        <a:font script="Laoo" typeface="DokChampa"/>
+        <a:font script="Sinh" typeface="Iskoola Pota"/>
+        <a:font script="Mong" typeface="Mongolian Baiti"/>
+        <a:font script="Viet" typeface="Times New Roman"/>
+        <a:font script="Uigh" typeface="Microsoft Uighur"/>
+        <a:font script="Geor" typeface="Sylfaen"/>
+        <a:font script="Armn" typeface="Arial"/>
+        <a:font script="Bugi" typeface="Leelawadee UI"/>
+        <a:font script="Bopo" typeface="Microsoft JhengHei"/>
+        <a:font script="Java" typeface="Javanese Text"/>
+        <a:font script="Lisu" typeface="Segoe UI"/>
+        <a:font script="Mymr" typeface="Myanmar Text"/>
+        <a:font script="Nkoo" typeface="Ebrima"/>
+        <a:font script="Olck" typeface="Nirmala UI"/>
+        <a:font script="Osma" typeface="Ebrima"/>
+        <a:font script="Phag" typeface="Phagspa"/>
+        <a:font script="Syrn" typeface="Estrangelo Edessa"/>
+        <a:font script="Syrj" typeface="Estrangelo Edessa"/>
+        <a:font script="Syre" typeface="Estrangelo Edessa"/>
+        <a:font script="Sora" typeface="Nirmala UI"/>
+        <a:font script="Tale" typeface="Microsoft Tai Le"/>
+        <a:font script="Talu" typeface="Microsoft New Tai Lue"/>
+        <a:font script="Tfng" typeface="Ebrima"/>
+      </a:majorFont>
+      <a:minorFont>
+        <a:latin typeface="Calibri" panose="020F0502020204030204"/>
+        <a:ea typeface=""/>
+        <a:cs typeface=""/>
+        <a:font script="Jpan" typeface="游ゴシック"/>
+        <a:font script="Hang" typeface="맑은 고딕"/>
+        <a:font script="Hans" typeface="等线"/>
+        <a:font script="Hant" typeface="新細明體"/>
+        <a:font script="Arab" typeface="Arial"/>
+        <a:font script="Hebr" typeface="Arial"/>
+        <a:font script="Thai" typeface="Cordia New"/>
+        <a:font script="Ethi" typeface="Nyala"/>
+        <a:font script="Beng" typeface="Vrinda"/>
+        <a:font script="Gujr" typeface="Shruti"/>
+        <a:font script="Khmr" typeface="DaunPenh"/>
+        <a:font script="Knda" typeface="Tunga"/>
+        <a:font script="Guru" typeface="Raavi"/>
+        <a:font script="Cans" typeface="Euphemia"/>
+        <a:font script="Cher" typeface="Plantagenet Cherokee"/>
+        <a:font script="Yiii" typeface="Microsoft Yi Baiti"/>
+        <a:font script="Tibt" typeface="Microsoft Himalaya"/>
+        <a:font script="Thaa" typeface="MV Boli"/>
+        <a:font script="Deva" typeface="Mangal"/>
+        <a:font script="Telu" typeface="Gautami"/>
+        <a:font script="Taml" typeface="Latha"/>
+        <a:font script="Syrc" typeface="Estrangelo Edessa"/>
+        <a:font script="Orya" typeface="Kalinga"/>
+        <a:font script="Mlym" typeface="Kartika"/>
+        <a:font script="Laoo" typeface="DokChampa"/>
+        <a:font script="Sinh" typeface="Iskoola Pota"/>
+        <a:font script="Mong" typeface="Mongolian Baiti"/>
+        <a:font script="Viet" typeface="Arial"/>
+        <a:font script="Uigh" typeface="Microsoft Uighur"/>
+        <a:font script="Geor" typeface="Sylfaen"/>
+        <a:font script="Armn" typeface="Arial"/>
+        <a:font script="Bugi" typeface="Leelawadee UI"/>
+        <a:font script="Bopo" typeface="Microsoft JhengHei"/>
+        <a:font script="Java" typeface="Javanese Text"/>
+        <a:font script="Lisu" typeface="Segoe UI"/>
+        <a:font script="Mymr" typeface="Myanmar Text"/>
+        <a:font script="Nkoo" typeface="Ebrima"/>
+        <a:font script="Olck" typeface="Nirmala UI"/>
+        <a:font script="Osma" typeface="Ebrima"/>
+        <a:font script="Phag" typeface="Phagspa"/>
+        <a:font script="Syrn" typeface="Estrangelo Edessa"/>
+        <a:font script="Syrj" typeface="Estrangelo Edessa"/>
+        <a:font script="Syre" typeface="Estrangelo Edessa"/>
+        <a:font script="Sora" typeface="Nirmala UI"/>
+        <a:font script="Tale" typeface="Microsoft Tai Le"/>
+        <a:font script="Talu" typeface="Microsoft New Tai Lue"/>
+        <a:font script="Tfng" typeface="Ebrima"/>
+      </a:minorFont>
+    </a:fontScheme>
+    <a:fmtScheme name="Office">
+      <a:fillStyleLst>
+        <a:solidFill>
+          <a:schemeClr val="phClr"/>
+        </a:solidFill>
+        <a:gradFill rotWithShape="1">
+          <a:gsLst>
+            <a:gs pos="0">
+              <a:schemeClr val="phClr">
+                <a:lumMod val="110000"/>
+                <a:satMod val="105000"/>
+                <a:tint val="67000"/>
+              </a:schemeClr>
+            </a:gs>
+            <a:gs pos="50000">
+              <a:schemeClr val="phClr">
+                <a:lumMod val="105000"/>
+                <a:satMod val="103000"/>
+                <a:tint val="73000"/>
+              </a:schemeClr>
+            </a:gs>
+            <a:gs pos="100000">
+              <a:schemeClr val="phClr">
+                <a:lumMod val="105000"/>
+                <a:satMod val="109000"/>
+                <a:tint val="81000"/>
+              </a:schemeClr>
+            </a:gs>
+          </a:gsLst>
+          <a:lin ang="5400000" scaled="0"/>
+        </a:gradFill>
+        <a:gradFill rotWithShape="1">
+          <a:gsLst>
+            <a:gs pos="0">
+              <a:schemeClr val="phClr">
+                <a:satMod val="103000"/>
+                <a:lumMod val="102000"/>
+                <a:tint val="94000"/>
+              </a:schemeClr>
+            </a:gs>
+            <a:gs pos="50000">
+              <a:schemeClr val="phClr">
+                <a:satMod val="110000"/>
+                <a:lumMod val="100000"/>
+                <a:shade val="100000"/>
+              </a:schemeClr>
+            </a:gs>
+            <a:gs pos="100000">
+              <a:schemeClr val="phClr">
+                <a:lumMod val="99000"/>
+                <a:satMod val="120000"/>
+                <a:shade val="78000"/>
+              </a:schemeClr>
+            </a:gs>
+          </a:gsLst>
+          <a:lin ang="5400000" scaled="0"/>
+        </a:gradFill>
+      </a:fillStyleLst>
+      <a:lnStyleLst>
+        <a:ln w="6350" cap="flat" cmpd="sng" algn="ctr">
+          <a:solidFill>
+            <a:schemeClr val="phClr"/>
+          </a:solidFill>
+          <a:prstDash val="solid"/>
+          <a:miter lim="800000"/>
+        </a:ln>
+        <a:ln w="12700" cap="flat" cmpd="sng" algn="ctr">
+          <a:solidFill>
+            <a:schemeClr val="phClr"/>
+          </a:solidFill>
+          <a:prstDash val="solid"/>
+          <a:miter lim="800000"/>
+        </a:ln>
+        <a:ln w="19050" cap="flat" cmpd="sng" algn="ctr">
+          <a:solidFill>
+            <a:schemeClr val="phClr"/>
+          </a:solidFill>
+          <a:prstDash val="solid"/>
+          <a:miter lim="800000"/>
+        </a:ln>
+      </a:lnStyleLst>
+      <a:effectStyleLst>
+        <a:effectStyle>
+          <a:effectLst/>
+        </a:effectStyle>
+        <a:effectStyle>
+          <a:effectLst/>
+        </a:effectStyle>
+        <a:effectStyle>
+          <a:effectLst>
+            <a:outerShdw blurRad="57150" dist="19050" dir="5400000" algn="ctr" rotWithShape="0">
+              <a:srgbClr val="000000">
+                <a:alpha val="63000"/>
+              </a:srgbClr>
+            </a:outerShdw>
+          </a:effectLst>
+        </a:effectStyle>
+      </a:effectStyleLst>
+      <a:bgFillStyleLst>
+        <a:solidFill>
+          <a:schemeClr val="phClr"/>
+        </a:solidFill>
+        <a:solidFill>
+          <a:schemeClr val="phClr">
+            <a:tint val="95000"/>
+            <a:satMod val="170000"/>
+          </a:schemeClr>
+        </a:solidFill>
+        <a:gradFill rotWithShape="1">
+          <a:gsLst>
+            <a:gs pos="0">
+              <a:schemeClr val="phClr">
+                <a:tint val="93000"/>
+                <a:satMod val="150000"/>
+                <a:shade val="98000"/>
+                <a:lumMod val="102000"/>
+              </a:schemeClr>
+            </a:gs>
+            <a:gs pos="50000">
+              <a:schemeClr val="phClr">
+                <a:tint val="98000"/>
+                <a:satMod val="130000"/>
+                <a:shade val="90000"/>
+                <a:lumMod val="103000"/>
+              </a:schemeClr>
+            </a:gs>
+            <a:gs pos="100000">
+              <a:schemeClr val="phClr">
+                <a:shade val="63000"/>
+                <a:satMod val="120000"/>
+              </a:schemeClr>
+            </a:gs>
+          </a:gsLst>
+          <a:lin ang="5400000" scaled="0"/>
+        </a:gradFill>
+      </a:bgFillStyleLst>
+    </a:fmtScheme>
+  </a:themeElements>
+  <a:objectDefaults/>
+  <a:extraClrSchemeLst/>
+  <a:extLst>
+    <a:ext uri="{05A4C25C-085E-4340-85A3-A5531E510DB2}">
+      <thm15:themeFamily xmlns:thm15="http://schemas.microsoft.com/office/thememl/2012/main" name="Office Theme" id="{62F939B6-93AF-4DB8-9C6B-D6C7DFDC589F}" vid="{4A3C46E8-61CC-4603-A589-7422A47A8E4A}"/>
+    </a:ext>
+  </a:extLst>
+</a:theme>
 </file>